--- a/Figures/SpindleFBDfigure_1.pptx
+++ b/Figures/SpindleFBDfigure_1.pptx
@@ -300,7 +300,7 @@
           <a:p>
             <a:fld id="{6AFFC431-35AA-48DF-B824-772EF10EA9D4}" type="datetimeFigureOut">
               <a:rPr lang="en-US" smtClean="0"/>
-              <a:t>3/9/2023</a:t>
+              <a:t>3/10/2023</a:t>
             </a:fld>
             <a:endParaRPr lang="en-US"/>
           </a:p>
@@ -498,7 +498,7 @@
           <a:p>
             <a:fld id="{6AFFC431-35AA-48DF-B824-772EF10EA9D4}" type="datetimeFigureOut">
               <a:rPr lang="en-US" smtClean="0"/>
-              <a:t>3/9/2023</a:t>
+              <a:t>3/10/2023</a:t>
             </a:fld>
             <a:endParaRPr lang="en-US"/>
           </a:p>
@@ -706,7 +706,7 @@
           <a:p>
             <a:fld id="{6AFFC431-35AA-48DF-B824-772EF10EA9D4}" type="datetimeFigureOut">
               <a:rPr lang="en-US" smtClean="0"/>
-              <a:t>3/9/2023</a:t>
+              <a:t>3/10/2023</a:t>
             </a:fld>
             <a:endParaRPr lang="en-US"/>
           </a:p>
@@ -904,7 +904,7 @@
           <a:p>
             <a:fld id="{6AFFC431-35AA-48DF-B824-772EF10EA9D4}" type="datetimeFigureOut">
               <a:rPr lang="en-US" smtClean="0"/>
-              <a:t>3/9/2023</a:t>
+              <a:t>3/10/2023</a:t>
             </a:fld>
             <a:endParaRPr lang="en-US"/>
           </a:p>
@@ -1179,7 +1179,7 @@
           <a:p>
             <a:fld id="{6AFFC431-35AA-48DF-B824-772EF10EA9D4}" type="datetimeFigureOut">
               <a:rPr lang="en-US" smtClean="0"/>
-              <a:t>3/9/2023</a:t>
+              <a:t>3/10/2023</a:t>
             </a:fld>
             <a:endParaRPr lang="en-US"/>
           </a:p>
@@ -1444,7 +1444,7 @@
           <a:p>
             <a:fld id="{6AFFC431-35AA-48DF-B824-772EF10EA9D4}" type="datetimeFigureOut">
               <a:rPr lang="en-US" smtClean="0"/>
-              <a:t>3/9/2023</a:t>
+              <a:t>3/10/2023</a:t>
             </a:fld>
             <a:endParaRPr lang="en-US"/>
           </a:p>
@@ -1856,7 +1856,7 @@
           <a:p>
             <a:fld id="{6AFFC431-35AA-48DF-B824-772EF10EA9D4}" type="datetimeFigureOut">
               <a:rPr lang="en-US" smtClean="0"/>
-              <a:t>3/9/2023</a:t>
+              <a:t>3/10/2023</a:t>
             </a:fld>
             <a:endParaRPr lang="en-US"/>
           </a:p>
@@ -1997,7 +1997,7 @@
           <a:p>
             <a:fld id="{6AFFC431-35AA-48DF-B824-772EF10EA9D4}" type="datetimeFigureOut">
               <a:rPr lang="en-US" smtClean="0"/>
-              <a:t>3/9/2023</a:t>
+              <a:t>3/10/2023</a:t>
             </a:fld>
             <a:endParaRPr lang="en-US"/>
           </a:p>
@@ -2110,7 +2110,7 @@
           <a:p>
             <a:fld id="{6AFFC431-35AA-48DF-B824-772EF10EA9D4}" type="datetimeFigureOut">
               <a:rPr lang="en-US" smtClean="0"/>
-              <a:t>3/9/2023</a:t>
+              <a:t>3/10/2023</a:t>
             </a:fld>
             <a:endParaRPr lang="en-US"/>
           </a:p>
@@ -2421,7 +2421,7 @@
           <a:p>
             <a:fld id="{6AFFC431-35AA-48DF-B824-772EF10EA9D4}" type="datetimeFigureOut">
               <a:rPr lang="en-US" smtClean="0"/>
-              <a:t>3/9/2023</a:t>
+              <a:t>3/10/2023</a:t>
             </a:fld>
             <a:endParaRPr lang="en-US"/>
           </a:p>
@@ -2709,7 +2709,7 @@
           <a:p>
             <a:fld id="{6AFFC431-35AA-48DF-B824-772EF10EA9D4}" type="datetimeFigureOut">
               <a:rPr lang="en-US" smtClean="0"/>
-              <a:t>3/9/2023</a:t>
+              <a:t>3/10/2023</a:t>
             </a:fld>
             <a:endParaRPr lang="en-US"/>
           </a:p>
@@ -2950,7 +2950,7 @@
           <a:p>
             <a:fld id="{6AFFC431-35AA-48DF-B824-772EF10EA9D4}" type="datetimeFigureOut">
               <a:rPr lang="en-US" smtClean="0"/>
-              <a:t>3/9/2023</a:t>
+              <a:t>3/10/2023</a:t>
             </a:fld>
             <a:endParaRPr lang="en-US"/>
           </a:p>
@@ -13588,7 +13588,7 @@
         </p:nvSpPr>
         <p:spPr>
           <a:xfrm>
-            <a:off x="9658653" y="2919514"/>
+            <a:off x="9668278" y="2919514"/>
             <a:ext cx="751001" cy="265030"/>
           </a:xfrm>
           <a:prstGeom prst="rect">

--- a/Figures/SpindleFBDfigure_1.pptx
+++ b/Figures/SpindleFBDfigure_1.pptx
@@ -6873,7 +6873,12 @@
             <p:ph type="title"/>
           </p:nvPr>
         </p:nvSpPr>
-        <p:spPr/>
+        <p:spPr>
+          <a:xfrm>
+            <a:off x="838200" y="401329"/>
+            <a:ext cx="10515600" cy="1325563"/>
+          </a:xfrm>
+        </p:spPr>
         <p:txBody>
           <a:bodyPr/>
           <a:lstStyle/>
@@ -6899,8 +6904,8 @@
         </p:nvSpPr>
         <p:spPr>
           <a:xfrm>
-            <a:off x="2924502" y="2622523"/>
-            <a:ext cx="4981905" cy="827690"/>
+            <a:off x="3365678" y="2447114"/>
+            <a:ext cx="4540729" cy="1192305"/>
           </a:xfrm>
           <a:prstGeom prst="rect">
             <a:avLst/>
@@ -6945,8 +6950,8 @@
         </p:nvSpPr>
         <p:spPr>
           <a:xfrm>
-            <a:off x="7914291" y="2433336"/>
-            <a:ext cx="685800" cy="1198180"/>
+            <a:off x="7914291" y="2622523"/>
+            <a:ext cx="685800" cy="827690"/>
           </a:xfrm>
           <a:prstGeom prst="rect">
             <a:avLst/>
@@ -6991,7 +6996,7 @@
         </p:nvSpPr>
         <p:spPr>
           <a:xfrm>
-            <a:off x="8609879" y="2724999"/>
+            <a:off x="8607975" y="2751604"/>
             <a:ext cx="993228" cy="583324"/>
           </a:xfrm>
           <a:prstGeom prst="rect">
@@ -7037,7 +7042,7 @@
         </p:nvSpPr>
         <p:spPr>
           <a:xfrm>
-            <a:off x="2167759" y="2622523"/>
+            <a:off x="2624699" y="2630183"/>
             <a:ext cx="740979" cy="827689"/>
           </a:xfrm>
           <a:prstGeom prst="rect">
@@ -7083,7 +7088,7 @@
         </p:nvSpPr>
         <p:spPr>
           <a:xfrm>
-            <a:off x="1169277" y="2751275"/>
+            <a:off x="1622436" y="2742902"/>
             <a:ext cx="993228" cy="583324"/>
           </a:xfrm>
           <a:prstGeom prst="rect">
@@ -7131,8 +7136,8 @@
         </p:nvCxnSpPr>
         <p:spPr>
           <a:xfrm>
-            <a:off x="1176270" y="4007633"/>
-            <a:ext cx="2459865" cy="0"/>
+            <a:off x="2603378" y="4278161"/>
+            <a:ext cx="762276" cy="0"/>
           </a:xfrm>
           <a:prstGeom prst="straightConnector1">
             <a:avLst/>
@@ -7173,8 +7178,8 @@
         </p:nvCxnSpPr>
         <p:spPr>
           <a:xfrm>
-            <a:off x="1178416" y="4410885"/>
-            <a:ext cx="5707488" cy="0"/>
+            <a:off x="3365654" y="4278161"/>
+            <a:ext cx="4548637" cy="0"/>
           </a:xfrm>
           <a:prstGeom prst="straightConnector1">
             <a:avLst/>
@@ -7215,8 +7220,8 @@
         </p:nvCxnSpPr>
         <p:spPr>
           <a:xfrm>
-            <a:off x="1165584" y="4847715"/>
-            <a:ext cx="6668092" cy="0"/>
+            <a:off x="7914291" y="4278161"/>
+            <a:ext cx="685800" cy="0"/>
           </a:xfrm>
           <a:prstGeom prst="straightConnector1">
             <a:avLst/>
@@ -7257,7 +7262,7 @@
         </p:nvCxnSpPr>
         <p:spPr>
           <a:xfrm>
-            <a:off x="1169830" y="3606897"/>
+            <a:off x="1613850" y="4273882"/>
             <a:ext cx="989528" cy="0"/>
           </a:xfrm>
           <a:prstGeom prst="straightConnector1">
@@ -7297,7 +7302,7 @@
         </p:nvSpPr>
         <p:spPr>
           <a:xfrm>
-            <a:off x="1004552" y="2254624"/>
+            <a:off x="1477104" y="2353430"/>
             <a:ext cx="317716" cy="369332"/>
           </a:xfrm>
           <a:prstGeom prst="rect">
@@ -7332,7 +7337,7 @@
         </p:nvSpPr>
         <p:spPr>
           <a:xfrm>
-            <a:off x="2002664" y="2166618"/>
+            <a:off x="2485839" y="2233185"/>
             <a:ext cx="317716" cy="369332"/>
           </a:xfrm>
           <a:prstGeom prst="rect">
@@ -7367,8 +7372,43 @@
         </p:nvSpPr>
         <p:spPr>
           <a:xfrm>
-            <a:off x="3365678" y="2160178"/>
-            <a:ext cx="317716" cy="369332"/>
+            <a:off x="3369245" y="2091227"/>
+            <a:ext cx="282297" cy="369332"/>
+          </a:xfrm>
+          <a:prstGeom prst="rect">
+            <a:avLst/>
+          </a:prstGeom>
+          <a:noFill/>
+        </p:spPr>
+        <p:txBody>
+          <a:bodyPr wrap="square" rtlCol="0">
+            <a:spAutoFit/>
+          </a:bodyPr>
+          <a:lstStyle/>
+          <a:p>
+            <a:r>
+              <a:rPr lang="en-US" dirty="0"/>
+              <a:t>C</a:t>
+            </a:r>
+          </a:p>
+        </p:txBody>
+      </p:sp>
+      <p:sp>
+        <p:nvSpPr>
+          <p:cNvPr id="23" name="TextBox 22">
+            <a:extLst>
+              <a:ext uri="{FF2B5EF4-FFF2-40B4-BE49-F238E27FC236}">
+                <a16:creationId xmlns:a16="http://schemas.microsoft.com/office/drawing/2014/main" id="{9E6908BE-1BAB-6105-BD48-005AD02F89DE}"/>
+              </a:ext>
+            </a:extLst>
+          </p:cNvPr>
+          <p:cNvSpPr txBox="1"/>
+          <p:nvPr/>
+        </p:nvSpPr>
+        <p:spPr>
+          <a:xfrm>
+            <a:off x="7627142" y="2087394"/>
+            <a:ext cx="327334" cy="369332"/>
           </a:xfrm>
           <a:prstGeom prst="rect">
             <a:avLst/>
@@ -7383,17 +7423,17 @@
           <a:p>
             <a:r>
               <a:rPr lang="en-US" dirty="0"/>
-              <a:t>C</a:t>
-            </a:r>
-          </a:p>
-        </p:txBody>
-      </p:sp>
-      <p:sp>
-        <p:nvSpPr>
-          <p:cNvPr id="23" name="TextBox 22">
-            <a:extLst>
-              <a:ext uri="{FF2B5EF4-FFF2-40B4-BE49-F238E27FC236}">
-                <a16:creationId xmlns:a16="http://schemas.microsoft.com/office/drawing/2014/main" id="{9E6908BE-1BAB-6105-BD48-005AD02F89DE}"/>
+              <a:t>D</a:t>
+            </a:r>
+          </a:p>
+        </p:txBody>
+      </p:sp>
+      <p:sp>
+        <p:nvSpPr>
+          <p:cNvPr id="24" name="TextBox 23">
+            <a:extLst>
+              <a:ext uri="{FF2B5EF4-FFF2-40B4-BE49-F238E27FC236}">
+                <a16:creationId xmlns:a16="http://schemas.microsoft.com/office/drawing/2014/main" id="{8908B685-9303-B6E1-37B4-851290AF5E13}"/>
               </a:ext>
             </a:extLst>
           </p:cNvPr>
@@ -7402,8 +7442,8 @@
         </p:nvSpPr>
         <p:spPr>
           <a:xfrm>
-            <a:off x="6570371" y="2127980"/>
-            <a:ext cx="327334" cy="369332"/>
+            <a:off x="8434670" y="2262448"/>
+            <a:ext cx="296876" cy="369332"/>
           </a:xfrm>
           <a:prstGeom prst="rect">
             <a:avLst/>
@@ -7418,17 +7458,17 @@
           <a:p>
             <a:r>
               <a:rPr lang="en-US" dirty="0"/>
-              <a:t>D</a:t>
-            </a:r>
-          </a:p>
-        </p:txBody>
-      </p:sp>
-      <p:sp>
-        <p:nvSpPr>
-          <p:cNvPr id="24" name="TextBox 23">
-            <a:extLst>
-              <a:ext uri="{FF2B5EF4-FFF2-40B4-BE49-F238E27FC236}">
-                <a16:creationId xmlns:a16="http://schemas.microsoft.com/office/drawing/2014/main" id="{8908B685-9303-B6E1-37B4-851290AF5E13}"/>
+              <a:t>E</a:t>
+            </a:r>
+          </a:p>
+        </p:txBody>
+      </p:sp>
+      <p:sp>
+        <p:nvSpPr>
+          <p:cNvPr id="25" name="TextBox 24">
+            <a:extLst>
+              <a:ext uri="{FF2B5EF4-FFF2-40B4-BE49-F238E27FC236}">
+                <a16:creationId xmlns:a16="http://schemas.microsoft.com/office/drawing/2014/main" id="{AF50D6D0-A428-A477-E84F-1820AAEBEA19}"/>
               </a:ext>
             </a:extLst>
           </p:cNvPr>
@@ -7437,7 +7477,7 @@
         </p:nvSpPr>
         <p:spPr>
           <a:xfrm>
-            <a:off x="7774546" y="1928358"/>
+            <a:off x="9409285" y="2390630"/>
             <a:ext cx="296876" cy="369332"/>
           </a:xfrm>
           <a:prstGeom prst="rect">
@@ -7453,17 +7493,17 @@
           <a:p>
             <a:r>
               <a:rPr lang="en-US" dirty="0"/>
-              <a:t>E</a:t>
-            </a:r>
-          </a:p>
-        </p:txBody>
-      </p:sp>
-      <p:sp>
-        <p:nvSpPr>
-          <p:cNvPr id="25" name="TextBox 24">
-            <a:extLst>
-              <a:ext uri="{FF2B5EF4-FFF2-40B4-BE49-F238E27FC236}">
-                <a16:creationId xmlns:a16="http://schemas.microsoft.com/office/drawing/2014/main" id="{AF50D6D0-A428-A477-E84F-1820AAEBEA19}"/>
+              <a:t>F</a:t>
+            </a:r>
+          </a:p>
+        </p:txBody>
+      </p:sp>
+      <p:sp>
+        <p:nvSpPr>
+          <p:cNvPr id="26" name="TextBox 25">
+            <a:extLst>
+              <a:ext uri="{FF2B5EF4-FFF2-40B4-BE49-F238E27FC236}">
+                <a16:creationId xmlns:a16="http://schemas.microsoft.com/office/drawing/2014/main" id="{AA48B471-E8DB-00C1-230C-BC3C890B8301}"/>
               </a:ext>
             </a:extLst>
           </p:cNvPr>
@@ -7472,8 +7512,8 @@
         </p:nvSpPr>
         <p:spPr>
           <a:xfrm>
-            <a:off x="8394878" y="1939090"/>
-            <a:ext cx="296876" cy="369332"/>
+            <a:off x="10923032" y="2513335"/>
+            <a:ext cx="303288" cy="369332"/>
           </a:xfrm>
           <a:prstGeom prst="rect">
             <a:avLst/>
@@ -7488,17 +7528,17 @@
           <a:p>
             <a:r>
               <a:rPr lang="en-US" dirty="0"/>
-              <a:t>F</a:t>
-            </a:r>
-          </a:p>
-        </p:txBody>
-      </p:sp>
-      <p:sp>
-        <p:nvSpPr>
-          <p:cNvPr id="26" name="TextBox 25">
-            <a:extLst>
-              <a:ext uri="{FF2B5EF4-FFF2-40B4-BE49-F238E27FC236}">
-                <a16:creationId xmlns:a16="http://schemas.microsoft.com/office/drawing/2014/main" id="{AA48B471-E8DB-00C1-230C-BC3C890B8301}"/>
+              <a:t>P</a:t>
+            </a:r>
+          </a:p>
+        </p:txBody>
+      </p:sp>
+      <p:sp>
+        <p:nvSpPr>
+          <p:cNvPr id="27" name="TextBox 26">
+            <a:extLst>
+              <a:ext uri="{FF2B5EF4-FFF2-40B4-BE49-F238E27FC236}">
+                <a16:creationId xmlns:a16="http://schemas.microsoft.com/office/drawing/2014/main" id="{409B82E5-29FF-25A6-3779-01853FF960B4}"/>
               </a:ext>
             </a:extLst>
           </p:cNvPr>
@@ -7507,42 +7547,7 @@
         </p:nvSpPr>
         <p:spPr>
           <a:xfrm>
-            <a:off x="9431627" y="2168764"/>
-            <a:ext cx="330540" cy="369332"/>
-          </a:xfrm>
-          <a:prstGeom prst="rect">
-            <a:avLst/>
-          </a:prstGeom>
-          <a:noFill/>
-        </p:spPr>
-        <p:txBody>
-          <a:bodyPr wrap="none" rtlCol="0">
-            <a:spAutoFit/>
-          </a:bodyPr>
-          <a:lstStyle/>
-          <a:p>
-            <a:r>
-              <a:rPr lang="en-US" dirty="0"/>
-              <a:t>G</a:t>
-            </a:r>
-          </a:p>
-        </p:txBody>
-      </p:sp>
-      <p:sp>
-        <p:nvSpPr>
-          <p:cNvPr id="27" name="TextBox 26">
-            <a:extLst>
-              <a:ext uri="{FF2B5EF4-FFF2-40B4-BE49-F238E27FC236}">
-                <a16:creationId xmlns:a16="http://schemas.microsoft.com/office/drawing/2014/main" id="{409B82E5-29FF-25A6-3779-01853FF960B4}"/>
-              </a:ext>
-            </a:extLst>
-          </p:cNvPr>
-          <p:cNvSpPr txBox="1"/>
-          <p:nvPr/>
-        </p:nvSpPr>
-        <p:spPr>
-          <a:xfrm>
-            <a:off x="1477104" y="3571466"/>
+            <a:off x="1905043" y="4297846"/>
             <a:ext cx="953037" cy="400110"/>
           </a:xfrm>
           <a:prstGeom prst="rect">
@@ -7581,7 +7586,7 @@
         </p:nvSpPr>
         <p:spPr>
           <a:xfrm>
-            <a:off x="2091417" y="3983109"/>
+            <a:off x="2735758" y="4327789"/>
             <a:ext cx="953037" cy="400110"/>
           </a:xfrm>
           <a:prstGeom prst="rect">
@@ -7601,7 +7606,7 @@
             </a:r>
             <a:r>
               <a:rPr lang="en-US" sz="2000" baseline="-25000" dirty="0"/>
-              <a:t>AC</a:t>
+              <a:t>BC</a:t>
             </a:r>
           </a:p>
         </p:txBody>
@@ -7620,7 +7625,7 @@
         </p:nvSpPr>
         <p:spPr>
           <a:xfrm>
-            <a:off x="3808666" y="4375894"/>
+            <a:off x="5258526" y="4386251"/>
             <a:ext cx="953037" cy="400110"/>
           </a:xfrm>
           <a:prstGeom prst="rect">
@@ -7640,7 +7645,7 @@
             </a:r>
             <a:r>
               <a:rPr lang="en-US" sz="2000" baseline="-25000" dirty="0"/>
-              <a:t>AD</a:t>
+              <a:t>CD</a:t>
             </a:r>
           </a:p>
         </p:txBody>
@@ -7661,8 +7666,8 @@
         </p:nvCxnSpPr>
         <p:spPr>
           <a:xfrm>
-            <a:off x="1176582" y="5325340"/>
-            <a:ext cx="7406526" cy="0"/>
+            <a:off x="8581479" y="4278161"/>
+            <a:ext cx="1019724" cy="0"/>
           </a:xfrm>
           <a:prstGeom prst="straightConnector1">
             <a:avLst/>
@@ -7703,8 +7708,8 @@
         </p:nvCxnSpPr>
         <p:spPr>
           <a:xfrm>
-            <a:off x="1192293" y="5831241"/>
-            <a:ext cx="8418333" cy="0"/>
+            <a:off x="9601203" y="4278161"/>
+            <a:ext cx="1511967" cy="0"/>
           </a:xfrm>
           <a:prstGeom prst="straightConnector1">
             <a:avLst/>
@@ -7743,7 +7748,7 @@
         </p:nvSpPr>
         <p:spPr>
           <a:xfrm>
-            <a:off x="4484253" y="4825238"/>
+            <a:off x="8104960" y="4443043"/>
             <a:ext cx="953037" cy="400110"/>
           </a:xfrm>
           <a:prstGeom prst="rect">
@@ -7763,7 +7768,7 @@
             </a:r>
             <a:r>
               <a:rPr lang="en-US" sz="2000" baseline="-25000" dirty="0"/>
-              <a:t>AE</a:t>
+              <a:t>DE</a:t>
             </a:r>
           </a:p>
         </p:txBody>
@@ -7782,7 +7787,7 @@
         </p:nvSpPr>
         <p:spPr>
           <a:xfrm>
-            <a:off x="4773341" y="5293436"/>
+            <a:off x="8932766" y="4443043"/>
             <a:ext cx="953037" cy="400110"/>
           </a:xfrm>
           <a:prstGeom prst="rect">
@@ -7802,7 +7807,7 @@
             </a:r>
             <a:r>
               <a:rPr lang="en-US" sz="2000" baseline="-25000" dirty="0"/>
-              <a:t>AF</a:t>
+              <a:t>EF</a:t>
             </a:r>
           </a:p>
         </p:txBody>
@@ -7821,7 +7826,7 @@
         </p:nvSpPr>
         <p:spPr>
           <a:xfrm>
-            <a:off x="5071857" y="5804055"/>
+            <a:off x="10092765" y="4386249"/>
             <a:ext cx="953037" cy="400110"/>
           </a:xfrm>
           <a:prstGeom prst="rect">
@@ -7836,12 +7841,1413 @@
           <a:lstStyle/>
           <a:p>
             <a:r>
+              <a:rPr lang="en-US" sz="2000" dirty="0" err="1"/>
+              <a:t>L</a:t>
+            </a:r>
+            <a:r>
+              <a:rPr lang="en-US" sz="2000" baseline="-25000" dirty="0" err="1"/>
+              <a:t>part</a:t>
+            </a:r>
+            <a:endParaRPr lang="en-US" sz="2000" baseline="-25000" dirty="0"/>
+          </a:p>
+        </p:txBody>
+      </p:sp>
+      <p:sp>
+        <p:nvSpPr>
+          <p:cNvPr id="11" name="Rectangle 10">
+            <a:extLst>
+              <a:ext uri="{FF2B5EF4-FFF2-40B4-BE49-F238E27FC236}">
+                <a16:creationId xmlns:a16="http://schemas.microsoft.com/office/drawing/2014/main" id="{F52F3709-5806-B868-99EC-ED719FA94456}"/>
+              </a:ext>
+            </a:extLst>
+          </p:cNvPr>
+          <p:cNvSpPr/>
+          <p:nvPr/>
+        </p:nvSpPr>
+        <p:spPr>
+          <a:xfrm>
+            <a:off x="9601203" y="2906809"/>
+            <a:ext cx="1511967" cy="272913"/>
+          </a:xfrm>
+          <a:prstGeom prst="rect">
+            <a:avLst/>
+          </a:prstGeom>
+        </p:spPr>
+        <p:style>
+          <a:lnRef idx="2">
+            <a:schemeClr val="accent1">
+              <a:shade val="50000"/>
+            </a:schemeClr>
+          </a:lnRef>
+          <a:fillRef idx="1">
+            <a:schemeClr val="accent1"/>
+          </a:fillRef>
+          <a:effectRef idx="0">
+            <a:schemeClr val="accent1"/>
+          </a:effectRef>
+          <a:fontRef idx="minor">
+            <a:schemeClr val="lt1"/>
+          </a:fontRef>
+        </p:style>
+        <p:txBody>
+          <a:bodyPr rtlCol="0" anchor="ctr"/>
+          <a:lstStyle/>
+          <a:p>
+            <a:pPr algn="ctr"/>
+            <a:endParaRPr lang="en-US" dirty="0"/>
+          </a:p>
+        </p:txBody>
+      </p:sp>
+      <p:cxnSp>
+        <p:nvCxnSpPr>
+          <p:cNvPr id="43" name="Straight Arrow Connector 42">
+            <a:extLst>
+              <a:ext uri="{FF2B5EF4-FFF2-40B4-BE49-F238E27FC236}">
+                <a16:creationId xmlns:a16="http://schemas.microsoft.com/office/drawing/2014/main" id="{789237B9-0512-B13E-76C5-801F84EBCBF6}"/>
+              </a:ext>
+            </a:extLst>
+          </p:cNvPr>
+          <p:cNvCxnSpPr>
+            <a:cxnSpLocks/>
+          </p:cNvCxnSpPr>
+          <p:nvPr/>
+        </p:nvCxnSpPr>
+        <p:spPr>
+          <a:xfrm>
+            <a:off x="1622436" y="6194857"/>
+            <a:ext cx="7978767" cy="0"/>
+          </a:xfrm>
+          <a:prstGeom prst="straightConnector1">
+            <a:avLst/>
+          </a:prstGeom>
+          <a:ln w="38100">
+            <a:headEnd type="triangle"/>
+            <a:tailEnd type="triangle"/>
+          </a:ln>
+        </p:spPr>
+        <p:style>
+          <a:lnRef idx="1">
+            <a:schemeClr val="accent1"/>
+          </a:lnRef>
+          <a:fillRef idx="0">
+            <a:schemeClr val="accent1"/>
+          </a:fillRef>
+          <a:effectRef idx="0">
+            <a:schemeClr val="accent1"/>
+          </a:effectRef>
+          <a:fontRef idx="minor">
+            <a:schemeClr val="tx1"/>
+          </a:fontRef>
+        </p:style>
+      </p:cxnSp>
+      <p:sp>
+        <p:nvSpPr>
+          <p:cNvPr id="44" name="TextBox 43">
+            <a:extLst>
+              <a:ext uri="{FF2B5EF4-FFF2-40B4-BE49-F238E27FC236}">
+                <a16:creationId xmlns:a16="http://schemas.microsoft.com/office/drawing/2014/main" id="{E3E55010-CBC4-DA56-A44A-43F3E65AC648}"/>
+              </a:ext>
+            </a:extLst>
+          </p:cNvPr>
+          <p:cNvSpPr txBox="1"/>
+          <p:nvPr/>
+        </p:nvSpPr>
+        <p:spPr>
+          <a:xfrm>
+            <a:off x="5215045" y="6256847"/>
+            <a:ext cx="953037" cy="400110"/>
+          </a:xfrm>
+          <a:prstGeom prst="rect">
+            <a:avLst/>
+          </a:prstGeom>
+          <a:noFill/>
+        </p:spPr>
+        <p:txBody>
+          <a:bodyPr wrap="square" rtlCol="0">
+            <a:spAutoFit/>
+          </a:bodyPr>
+          <a:lstStyle/>
+          <a:p>
+            <a:r>
+              <a:rPr lang="en-US" sz="2000" dirty="0" err="1"/>
+              <a:t>L</a:t>
+            </a:r>
+            <a:r>
+              <a:rPr lang="en-US" sz="2000" baseline="-25000" dirty="0" err="1"/>
+              <a:t>Total</a:t>
+            </a:r>
+            <a:endParaRPr lang="en-US" sz="2000" baseline="-25000" dirty="0"/>
+          </a:p>
+        </p:txBody>
+      </p:sp>
+      <p:cxnSp>
+        <p:nvCxnSpPr>
+          <p:cNvPr id="46" name="Straight Arrow Connector 45">
+            <a:extLst>
+              <a:ext uri="{FF2B5EF4-FFF2-40B4-BE49-F238E27FC236}">
+                <a16:creationId xmlns:a16="http://schemas.microsoft.com/office/drawing/2014/main" id="{AD4225EC-0BCF-E67B-284C-2698C26033C9}"/>
+              </a:ext>
+            </a:extLst>
+          </p:cNvPr>
+          <p:cNvCxnSpPr>
+            <a:cxnSpLocks/>
+          </p:cNvCxnSpPr>
+          <p:nvPr/>
+        </p:nvCxnSpPr>
+        <p:spPr>
+          <a:xfrm>
+            <a:off x="3365678" y="4753236"/>
+            <a:ext cx="720981" cy="0"/>
+          </a:xfrm>
+          <a:prstGeom prst="straightConnector1">
+            <a:avLst/>
+          </a:prstGeom>
+          <a:ln w="38100">
+            <a:headEnd type="triangle"/>
+            <a:tailEnd type="triangle"/>
+          </a:ln>
+        </p:spPr>
+        <p:style>
+          <a:lnRef idx="1">
+            <a:schemeClr val="accent1"/>
+          </a:lnRef>
+          <a:fillRef idx="0">
+            <a:schemeClr val="accent1"/>
+          </a:fillRef>
+          <a:effectRef idx="0">
+            <a:schemeClr val="accent1"/>
+          </a:effectRef>
+          <a:fontRef idx="minor">
+            <a:schemeClr val="tx1"/>
+          </a:fontRef>
+        </p:style>
+      </p:cxnSp>
+      <p:sp>
+        <p:nvSpPr>
+          <p:cNvPr id="47" name="TextBox 46">
+            <a:extLst>
+              <a:ext uri="{FF2B5EF4-FFF2-40B4-BE49-F238E27FC236}">
+                <a16:creationId xmlns:a16="http://schemas.microsoft.com/office/drawing/2014/main" id="{0A1620E7-84F7-69FE-B152-D465524BD460}"/>
+              </a:ext>
+            </a:extLst>
+          </p:cNvPr>
+          <p:cNvSpPr txBox="1"/>
+          <p:nvPr/>
+        </p:nvSpPr>
+        <p:spPr>
+          <a:xfrm>
+            <a:off x="3306987" y="4741194"/>
+            <a:ext cx="953037" cy="400110"/>
+          </a:xfrm>
+          <a:prstGeom prst="rect">
+            <a:avLst/>
+          </a:prstGeom>
+          <a:noFill/>
+        </p:spPr>
+        <p:txBody>
+          <a:bodyPr wrap="square" rtlCol="0">
+            <a:spAutoFit/>
+          </a:bodyPr>
+          <a:lstStyle/>
+          <a:p>
+            <a:r>
+              <a:rPr lang="en-US" sz="2000" dirty="0" err="1"/>
+              <a:t>a</a:t>
+            </a:r>
+            <a:r>
+              <a:rPr lang="en-US" sz="2000" baseline="-25000" dirty="0" err="1"/>
+              <a:t>Bearing</a:t>
+            </a:r>
+            <a:endParaRPr lang="en-US" sz="2000" baseline="-25000" dirty="0"/>
+          </a:p>
+        </p:txBody>
+      </p:sp>
+      <p:cxnSp>
+        <p:nvCxnSpPr>
+          <p:cNvPr id="49" name="Straight Connector 48">
+            <a:extLst>
+              <a:ext uri="{FF2B5EF4-FFF2-40B4-BE49-F238E27FC236}">
+                <a16:creationId xmlns:a16="http://schemas.microsoft.com/office/drawing/2014/main" id="{713ED984-D30C-B00D-33DF-A07A038BF193}"/>
+              </a:ext>
+            </a:extLst>
+          </p:cNvPr>
+          <p:cNvCxnSpPr>
+            <a:cxnSpLocks/>
+            <a:stCxn id="8" idx="1"/>
+          </p:cNvCxnSpPr>
+          <p:nvPr/>
+        </p:nvCxnSpPr>
+        <p:spPr>
+          <a:xfrm>
+            <a:off x="1622436" y="3034564"/>
+            <a:ext cx="0" cy="3160293"/>
+          </a:xfrm>
+          <a:prstGeom prst="line">
+            <a:avLst/>
+          </a:prstGeom>
+          <a:ln w="19050">
+            <a:prstDash val="dash"/>
+          </a:ln>
+        </p:spPr>
+        <p:style>
+          <a:lnRef idx="1">
+            <a:schemeClr val="accent1"/>
+          </a:lnRef>
+          <a:fillRef idx="0">
+            <a:schemeClr val="accent1"/>
+          </a:fillRef>
+          <a:effectRef idx="0">
+            <a:schemeClr val="accent1"/>
+          </a:effectRef>
+          <a:fontRef idx="minor">
+            <a:schemeClr val="tx1"/>
+          </a:fontRef>
+        </p:style>
+      </p:cxnSp>
+      <p:cxnSp>
+        <p:nvCxnSpPr>
+          <p:cNvPr id="51" name="Straight Connector 50">
+            <a:extLst>
+              <a:ext uri="{FF2B5EF4-FFF2-40B4-BE49-F238E27FC236}">
+                <a16:creationId xmlns:a16="http://schemas.microsoft.com/office/drawing/2014/main" id="{DCF8463B-2459-7AE2-0C05-206EC9393F1A}"/>
+              </a:ext>
+            </a:extLst>
+          </p:cNvPr>
+          <p:cNvCxnSpPr>
+            <a:cxnSpLocks/>
+          </p:cNvCxnSpPr>
+          <p:nvPr/>
+        </p:nvCxnSpPr>
+        <p:spPr>
+          <a:xfrm>
+            <a:off x="2615664" y="3030179"/>
+            <a:ext cx="0" cy="1267667"/>
+          </a:xfrm>
+          <a:prstGeom prst="line">
+            <a:avLst/>
+          </a:prstGeom>
+          <a:ln w="19050">
+            <a:prstDash val="dash"/>
+          </a:ln>
+        </p:spPr>
+        <p:style>
+          <a:lnRef idx="1">
+            <a:schemeClr val="accent1"/>
+          </a:lnRef>
+          <a:fillRef idx="0">
+            <a:schemeClr val="accent1"/>
+          </a:fillRef>
+          <a:effectRef idx="0">
+            <a:schemeClr val="accent1"/>
+          </a:effectRef>
+          <a:fontRef idx="minor">
+            <a:schemeClr val="tx1"/>
+          </a:fontRef>
+        </p:style>
+      </p:cxnSp>
+      <p:cxnSp>
+        <p:nvCxnSpPr>
+          <p:cNvPr id="53" name="Straight Connector 52">
+            <a:extLst>
+              <a:ext uri="{FF2B5EF4-FFF2-40B4-BE49-F238E27FC236}">
+                <a16:creationId xmlns:a16="http://schemas.microsoft.com/office/drawing/2014/main" id="{F35FAE9A-3990-C320-1DFD-774D18521DCA}"/>
+              </a:ext>
+            </a:extLst>
+          </p:cNvPr>
+          <p:cNvCxnSpPr>
+            <a:cxnSpLocks/>
+          </p:cNvCxnSpPr>
+          <p:nvPr/>
+        </p:nvCxnSpPr>
+        <p:spPr>
+          <a:xfrm>
+            <a:off x="7906407" y="3030179"/>
+            <a:ext cx="0" cy="1723057"/>
+          </a:xfrm>
+          <a:prstGeom prst="line">
+            <a:avLst/>
+          </a:prstGeom>
+          <a:ln w="19050">
+            <a:prstDash val="dash"/>
+          </a:ln>
+        </p:spPr>
+        <p:style>
+          <a:lnRef idx="1">
+            <a:schemeClr val="accent1"/>
+          </a:lnRef>
+          <a:fillRef idx="0">
+            <a:schemeClr val="accent1"/>
+          </a:fillRef>
+          <a:effectRef idx="0">
+            <a:schemeClr val="accent1"/>
+          </a:effectRef>
+          <a:fontRef idx="minor">
+            <a:schemeClr val="tx1"/>
+          </a:fontRef>
+        </p:style>
+      </p:cxnSp>
+      <p:cxnSp>
+        <p:nvCxnSpPr>
+          <p:cNvPr id="54" name="Straight Connector 53">
+            <a:extLst>
+              <a:ext uri="{FF2B5EF4-FFF2-40B4-BE49-F238E27FC236}">
+                <a16:creationId xmlns:a16="http://schemas.microsoft.com/office/drawing/2014/main" id="{5DF9B1BA-5D28-80B4-8E7D-979C80468AE8}"/>
+              </a:ext>
+            </a:extLst>
+          </p:cNvPr>
+          <p:cNvCxnSpPr>
+            <a:cxnSpLocks/>
+          </p:cNvCxnSpPr>
+          <p:nvPr/>
+        </p:nvCxnSpPr>
+        <p:spPr>
+          <a:xfrm>
+            <a:off x="8600091" y="3060122"/>
+            <a:ext cx="0" cy="1237724"/>
+          </a:xfrm>
+          <a:prstGeom prst="line">
+            <a:avLst/>
+          </a:prstGeom>
+          <a:ln w="19050">
+            <a:prstDash val="dash"/>
+          </a:ln>
+        </p:spPr>
+        <p:style>
+          <a:lnRef idx="1">
+            <a:schemeClr val="accent1"/>
+          </a:lnRef>
+          <a:fillRef idx="0">
+            <a:schemeClr val="accent1"/>
+          </a:fillRef>
+          <a:effectRef idx="0">
+            <a:schemeClr val="accent1"/>
+          </a:effectRef>
+          <a:fontRef idx="minor">
+            <a:schemeClr val="tx1"/>
+          </a:fontRef>
+        </p:style>
+      </p:cxnSp>
+      <p:cxnSp>
+        <p:nvCxnSpPr>
+          <p:cNvPr id="55" name="Straight Connector 54">
+            <a:extLst>
+              <a:ext uri="{FF2B5EF4-FFF2-40B4-BE49-F238E27FC236}">
+                <a16:creationId xmlns:a16="http://schemas.microsoft.com/office/drawing/2014/main" id="{9B54A1F7-62A5-96B0-42C2-2CAF688D2E0E}"/>
+              </a:ext>
+            </a:extLst>
+          </p:cNvPr>
+          <p:cNvCxnSpPr>
+            <a:cxnSpLocks/>
+          </p:cNvCxnSpPr>
+          <p:nvPr/>
+        </p:nvCxnSpPr>
+        <p:spPr>
+          <a:xfrm>
+            <a:off x="9590958" y="3030179"/>
+            <a:ext cx="0" cy="3164678"/>
+          </a:xfrm>
+          <a:prstGeom prst="line">
+            <a:avLst/>
+          </a:prstGeom>
+          <a:ln w="19050">
+            <a:prstDash val="dash"/>
+          </a:ln>
+        </p:spPr>
+        <p:style>
+          <a:lnRef idx="1">
+            <a:schemeClr val="accent1"/>
+          </a:lnRef>
+          <a:fillRef idx="0">
+            <a:schemeClr val="accent1"/>
+          </a:fillRef>
+          <a:effectRef idx="0">
+            <a:schemeClr val="accent1"/>
+          </a:effectRef>
+          <a:fontRef idx="minor">
+            <a:schemeClr val="tx1"/>
+          </a:fontRef>
+        </p:style>
+      </p:cxnSp>
+      <p:cxnSp>
+        <p:nvCxnSpPr>
+          <p:cNvPr id="56" name="Straight Connector 55">
+            <a:extLst>
+              <a:ext uri="{FF2B5EF4-FFF2-40B4-BE49-F238E27FC236}">
+                <a16:creationId xmlns:a16="http://schemas.microsoft.com/office/drawing/2014/main" id="{F550D876-F6E2-3191-830E-EAD88A7C1CD3}"/>
+              </a:ext>
+            </a:extLst>
+          </p:cNvPr>
+          <p:cNvCxnSpPr>
+            <a:cxnSpLocks/>
+          </p:cNvCxnSpPr>
+          <p:nvPr/>
+        </p:nvCxnSpPr>
+        <p:spPr>
+          <a:xfrm>
+            <a:off x="11113170" y="3030179"/>
+            <a:ext cx="0" cy="1267667"/>
+          </a:xfrm>
+          <a:prstGeom prst="line">
+            <a:avLst/>
+          </a:prstGeom>
+          <a:ln w="19050">
+            <a:prstDash val="dash"/>
+          </a:ln>
+        </p:spPr>
+        <p:style>
+          <a:lnRef idx="1">
+            <a:schemeClr val="accent1"/>
+          </a:lnRef>
+          <a:fillRef idx="0">
+            <a:schemeClr val="accent1"/>
+          </a:fillRef>
+          <a:effectRef idx="0">
+            <a:schemeClr val="accent1"/>
+          </a:effectRef>
+          <a:fontRef idx="minor">
+            <a:schemeClr val="tx1"/>
+          </a:fontRef>
+        </p:style>
+      </p:cxnSp>
+      <p:cxnSp>
+        <p:nvCxnSpPr>
+          <p:cNvPr id="60" name="Straight Connector 59">
+            <a:extLst>
+              <a:ext uri="{FF2B5EF4-FFF2-40B4-BE49-F238E27FC236}">
+                <a16:creationId xmlns:a16="http://schemas.microsoft.com/office/drawing/2014/main" id="{E2861540-3826-D38A-545F-4036B5C7027B}"/>
+              </a:ext>
+            </a:extLst>
+          </p:cNvPr>
+          <p:cNvCxnSpPr>
+            <a:cxnSpLocks/>
+          </p:cNvCxnSpPr>
+          <p:nvPr/>
+        </p:nvCxnSpPr>
+        <p:spPr>
+          <a:xfrm>
+            <a:off x="3365678" y="3097178"/>
+            <a:ext cx="0" cy="1689181"/>
+          </a:xfrm>
+          <a:prstGeom prst="line">
+            <a:avLst/>
+          </a:prstGeom>
+          <a:ln w="19050">
+            <a:prstDash val="dash"/>
+          </a:ln>
+        </p:spPr>
+        <p:style>
+          <a:lnRef idx="1">
+            <a:schemeClr val="accent1"/>
+          </a:lnRef>
+          <a:fillRef idx="0">
+            <a:schemeClr val="accent1"/>
+          </a:fillRef>
+          <a:effectRef idx="0">
+            <a:schemeClr val="accent1"/>
+          </a:effectRef>
+          <a:fontRef idx="minor">
+            <a:schemeClr val="tx1"/>
+          </a:fontRef>
+        </p:style>
+      </p:cxnSp>
+      <p:cxnSp>
+        <p:nvCxnSpPr>
+          <p:cNvPr id="63" name="Straight Arrow Connector 62">
+            <a:extLst>
+              <a:ext uri="{FF2B5EF4-FFF2-40B4-BE49-F238E27FC236}">
+                <a16:creationId xmlns:a16="http://schemas.microsoft.com/office/drawing/2014/main" id="{A8D3CFB4-41C9-4925-F6F8-0DC448BC3321}"/>
+              </a:ext>
+            </a:extLst>
+          </p:cNvPr>
+          <p:cNvCxnSpPr>
+            <a:cxnSpLocks/>
+          </p:cNvCxnSpPr>
+          <p:nvPr/>
+        </p:nvCxnSpPr>
+        <p:spPr>
+          <a:xfrm>
+            <a:off x="7194291" y="4753236"/>
+            <a:ext cx="720000" cy="0"/>
+          </a:xfrm>
+          <a:prstGeom prst="straightConnector1">
+            <a:avLst/>
+          </a:prstGeom>
+          <a:ln w="38100">
+            <a:headEnd type="triangle"/>
+            <a:tailEnd type="triangle"/>
+          </a:ln>
+        </p:spPr>
+        <p:style>
+          <a:lnRef idx="1">
+            <a:schemeClr val="accent1"/>
+          </a:lnRef>
+          <a:fillRef idx="0">
+            <a:schemeClr val="accent1"/>
+          </a:fillRef>
+          <a:effectRef idx="0">
+            <a:schemeClr val="accent1"/>
+          </a:effectRef>
+          <a:fontRef idx="minor">
+            <a:schemeClr val="tx1"/>
+          </a:fontRef>
+        </p:style>
+      </p:cxnSp>
+      <p:sp>
+        <p:nvSpPr>
+          <p:cNvPr id="68" name="TextBox 67">
+            <a:extLst>
+              <a:ext uri="{FF2B5EF4-FFF2-40B4-BE49-F238E27FC236}">
+                <a16:creationId xmlns:a16="http://schemas.microsoft.com/office/drawing/2014/main" id="{392C860A-DF38-43AC-80D4-0F19EDB6A5D7}"/>
+              </a:ext>
+            </a:extLst>
+          </p:cNvPr>
+          <p:cNvSpPr txBox="1"/>
+          <p:nvPr/>
+        </p:nvSpPr>
+        <p:spPr>
+          <a:xfrm>
+            <a:off x="7212157" y="4736722"/>
+            <a:ext cx="953037" cy="400110"/>
+          </a:xfrm>
+          <a:prstGeom prst="rect">
+            <a:avLst/>
+          </a:prstGeom>
+          <a:noFill/>
+        </p:spPr>
+        <p:txBody>
+          <a:bodyPr wrap="square" rtlCol="0">
+            <a:spAutoFit/>
+          </a:bodyPr>
+          <a:lstStyle/>
+          <a:p>
+            <a:r>
+              <a:rPr lang="en-US" sz="2000" dirty="0" err="1"/>
+              <a:t>a</a:t>
+            </a:r>
+            <a:r>
+              <a:rPr lang="en-US" sz="2000" baseline="-25000" dirty="0" err="1"/>
+              <a:t>Bearing</a:t>
+            </a:r>
+            <a:endParaRPr lang="en-US" sz="2000" baseline="-25000" dirty="0"/>
+          </a:p>
+        </p:txBody>
+      </p:sp>
+      <p:cxnSp>
+        <p:nvCxnSpPr>
+          <p:cNvPr id="69" name="Straight Connector 68">
+            <a:extLst>
+              <a:ext uri="{FF2B5EF4-FFF2-40B4-BE49-F238E27FC236}">
+                <a16:creationId xmlns:a16="http://schemas.microsoft.com/office/drawing/2014/main" id="{FE3B563D-E08E-C082-72C2-466386C6CD73}"/>
+              </a:ext>
+            </a:extLst>
+          </p:cNvPr>
+          <p:cNvCxnSpPr>
+            <a:cxnSpLocks/>
+          </p:cNvCxnSpPr>
+          <p:nvPr/>
+        </p:nvCxnSpPr>
+        <p:spPr>
+          <a:xfrm>
+            <a:off x="4091917" y="3146159"/>
+            <a:ext cx="0" cy="2103818"/>
+          </a:xfrm>
+          <a:prstGeom prst="line">
+            <a:avLst/>
+          </a:prstGeom>
+          <a:ln w="19050">
+            <a:prstDash val="dash"/>
+          </a:ln>
+        </p:spPr>
+        <p:style>
+          <a:lnRef idx="1">
+            <a:schemeClr val="accent1"/>
+          </a:lnRef>
+          <a:fillRef idx="0">
+            <a:schemeClr val="accent1"/>
+          </a:fillRef>
+          <a:effectRef idx="0">
+            <a:schemeClr val="accent1"/>
+          </a:effectRef>
+          <a:fontRef idx="minor">
+            <a:schemeClr val="tx1"/>
+          </a:fontRef>
+        </p:style>
+      </p:cxnSp>
+      <p:cxnSp>
+        <p:nvCxnSpPr>
+          <p:cNvPr id="70" name="Straight Connector 69">
+            <a:extLst>
+              <a:ext uri="{FF2B5EF4-FFF2-40B4-BE49-F238E27FC236}">
+                <a16:creationId xmlns:a16="http://schemas.microsoft.com/office/drawing/2014/main" id="{D429D373-0E09-217E-EF3B-00DB6111904E}"/>
+              </a:ext>
+            </a:extLst>
+          </p:cNvPr>
+          <p:cNvCxnSpPr>
+            <a:cxnSpLocks/>
+          </p:cNvCxnSpPr>
+          <p:nvPr/>
+        </p:nvCxnSpPr>
+        <p:spPr>
+          <a:xfrm>
+            <a:off x="3093495" y="2385125"/>
+            <a:ext cx="993164" cy="674997"/>
+          </a:xfrm>
+          <a:prstGeom prst="line">
+            <a:avLst/>
+          </a:prstGeom>
+          <a:ln w="19050">
+            <a:solidFill>
+              <a:srgbClr val="FF0000"/>
+            </a:solidFill>
+            <a:prstDash val="dash"/>
+          </a:ln>
+        </p:spPr>
+        <p:style>
+          <a:lnRef idx="1">
+            <a:schemeClr val="accent1"/>
+          </a:lnRef>
+          <a:fillRef idx="0">
+            <a:schemeClr val="accent1"/>
+          </a:fillRef>
+          <a:effectRef idx="0">
+            <a:schemeClr val="accent1"/>
+          </a:effectRef>
+          <a:fontRef idx="minor">
+            <a:schemeClr val="tx1"/>
+          </a:fontRef>
+        </p:style>
+      </p:cxnSp>
+      <p:sp>
+        <p:nvSpPr>
+          <p:cNvPr id="73" name="Rectangle 72">
+            <a:extLst>
+              <a:ext uri="{FF2B5EF4-FFF2-40B4-BE49-F238E27FC236}">
+                <a16:creationId xmlns:a16="http://schemas.microsoft.com/office/drawing/2014/main" id="{5808B22F-DDA5-A8CA-0DDD-00E708F02BE2}"/>
+              </a:ext>
+            </a:extLst>
+          </p:cNvPr>
+          <p:cNvSpPr/>
+          <p:nvPr/>
+        </p:nvSpPr>
+        <p:spPr>
+          <a:xfrm>
+            <a:off x="2785822" y="2128121"/>
+            <a:ext cx="579832" cy="502062"/>
+          </a:xfrm>
+          <a:prstGeom prst="rect">
+            <a:avLst/>
+          </a:prstGeom>
+          <a:noFill/>
+          <a:ln>
+            <a:solidFill>
+              <a:schemeClr val="accent2">
+                <a:lumMod val="75000"/>
+              </a:schemeClr>
+            </a:solidFill>
+          </a:ln>
+        </p:spPr>
+        <p:style>
+          <a:lnRef idx="2">
+            <a:schemeClr val="accent1">
+              <a:shade val="50000"/>
+            </a:schemeClr>
+          </a:lnRef>
+          <a:fillRef idx="1">
+            <a:schemeClr val="accent1"/>
+          </a:fillRef>
+          <a:effectRef idx="0">
+            <a:schemeClr val="accent1"/>
+          </a:effectRef>
+          <a:fontRef idx="minor">
+            <a:schemeClr val="lt1"/>
+          </a:fontRef>
+        </p:style>
+        <p:txBody>
+          <a:bodyPr rtlCol="0" anchor="ctr"/>
+          <a:lstStyle/>
+          <a:p>
+            <a:pPr algn="ctr"/>
+            <a:endParaRPr lang="en-GB"/>
+          </a:p>
+        </p:txBody>
+      </p:sp>
+      <p:cxnSp>
+        <p:nvCxnSpPr>
+          <p:cNvPr id="74" name="Straight Connector 73">
+            <a:extLst>
+              <a:ext uri="{FF2B5EF4-FFF2-40B4-BE49-F238E27FC236}">
+                <a16:creationId xmlns:a16="http://schemas.microsoft.com/office/drawing/2014/main" id="{EE69E14F-08A7-D3FB-76A5-5E4AA9E213A5}"/>
+              </a:ext>
+            </a:extLst>
+          </p:cNvPr>
+          <p:cNvCxnSpPr>
+            <a:cxnSpLocks/>
+          </p:cNvCxnSpPr>
+          <p:nvPr/>
+        </p:nvCxnSpPr>
+        <p:spPr>
+          <a:xfrm flipH="1">
+            <a:off x="2913071" y="2272990"/>
+            <a:ext cx="308114" cy="256303"/>
+          </a:xfrm>
+          <a:prstGeom prst="line">
+            <a:avLst/>
+          </a:prstGeom>
+          <a:ln w="19050">
+            <a:solidFill>
+              <a:schemeClr val="accent2">
+                <a:lumMod val="75000"/>
+              </a:schemeClr>
+            </a:solidFill>
+            <a:prstDash val="solid"/>
+          </a:ln>
+        </p:spPr>
+        <p:style>
+          <a:lnRef idx="1">
+            <a:schemeClr val="accent1"/>
+          </a:lnRef>
+          <a:fillRef idx="0">
+            <a:schemeClr val="accent1"/>
+          </a:fillRef>
+          <a:effectRef idx="0">
+            <a:schemeClr val="accent1"/>
+          </a:effectRef>
+          <a:fontRef idx="minor">
+            <a:schemeClr val="tx1"/>
+          </a:fontRef>
+        </p:style>
+      </p:cxnSp>
+      <p:cxnSp>
+        <p:nvCxnSpPr>
+          <p:cNvPr id="78" name="Straight Connector 77">
+            <a:extLst>
+              <a:ext uri="{FF2B5EF4-FFF2-40B4-BE49-F238E27FC236}">
+                <a16:creationId xmlns:a16="http://schemas.microsoft.com/office/drawing/2014/main" id="{16A2120E-2C3C-6BE6-5A27-2B0C9786E4EB}"/>
+              </a:ext>
+            </a:extLst>
+          </p:cNvPr>
+          <p:cNvCxnSpPr>
+            <a:cxnSpLocks/>
+          </p:cNvCxnSpPr>
+          <p:nvPr/>
+        </p:nvCxnSpPr>
+        <p:spPr>
+          <a:xfrm flipV="1">
+            <a:off x="7202862" y="2362811"/>
+            <a:ext cx="993164" cy="674997"/>
+          </a:xfrm>
+          <a:prstGeom prst="line">
+            <a:avLst/>
+          </a:prstGeom>
+          <a:ln w="19050">
+            <a:solidFill>
+              <a:srgbClr val="FF0000"/>
+            </a:solidFill>
+            <a:prstDash val="dash"/>
+          </a:ln>
+        </p:spPr>
+        <p:style>
+          <a:lnRef idx="1">
+            <a:schemeClr val="accent1"/>
+          </a:lnRef>
+          <a:fillRef idx="0">
+            <a:schemeClr val="accent1"/>
+          </a:fillRef>
+          <a:effectRef idx="0">
+            <a:schemeClr val="accent1"/>
+          </a:effectRef>
+          <a:fontRef idx="minor">
+            <a:schemeClr val="tx1"/>
+          </a:fontRef>
+        </p:style>
+      </p:cxnSp>
+      <p:sp>
+        <p:nvSpPr>
+          <p:cNvPr id="79" name="Rectangle 78">
+            <a:extLst>
+              <a:ext uri="{FF2B5EF4-FFF2-40B4-BE49-F238E27FC236}">
+                <a16:creationId xmlns:a16="http://schemas.microsoft.com/office/drawing/2014/main" id="{A08E9652-A644-A407-CFFB-F67E46DF5204}"/>
+              </a:ext>
+            </a:extLst>
+          </p:cNvPr>
+          <p:cNvSpPr/>
+          <p:nvPr/>
+        </p:nvSpPr>
+        <p:spPr>
+          <a:xfrm flipV="1">
+            <a:off x="7924079" y="2113643"/>
+            <a:ext cx="579832" cy="502062"/>
+          </a:xfrm>
+          <a:prstGeom prst="rect">
+            <a:avLst/>
+          </a:prstGeom>
+          <a:noFill/>
+          <a:ln>
+            <a:solidFill>
+              <a:schemeClr val="accent2">
+                <a:lumMod val="75000"/>
+              </a:schemeClr>
+            </a:solidFill>
+          </a:ln>
+        </p:spPr>
+        <p:style>
+          <a:lnRef idx="2">
+            <a:schemeClr val="accent1">
+              <a:shade val="50000"/>
+            </a:schemeClr>
+          </a:lnRef>
+          <a:fillRef idx="1">
+            <a:schemeClr val="accent1"/>
+          </a:fillRef>
+          <a:effectRef idx="0">
+            <a:schemeClr val="accent1"/>
+          </a:effectRef>
+          <a:fontRef idx="minor">
+            <a:schemeClr val="lt1"/>
+          </a:fontRef>
+        </p:style>
+        <p:txBody>
+          <a:bodyPr rtlCol="0" anchor="ctr"/>
+          <a:lstStyle/>
+          <a:p>
+            <a:pPr algn="ctr"/>
+            <a:endParaRPr lang="en-GB"/>
+          </a:p>
+        </p:txBody>
+      </p:sp>
+      <p:cxnSp>
+        <p:nvCxnSpPr>
+          <p:cNvPr id="80" name="Straight Connector 79">
+            <a:extLst>
+              <a:ext uri="{FF2B5EF4-FFF2-40B4-BE49-F238E27FC236}">
+                <a16:creationId xmlns:a16="http://schemas.microsoft.com/office/drawing/2014/main" id="{3400BF16-09C7-25DA-0EFD-081ED7E7A770}"/>
+              </a:ext>
+            </a:extLst>
+          </p:cNvPr>
+          <p:cNvCxnSpPr>
+            <a:cxnSpLocks/>
+          </p:cNvCxnSpPr>
+          <p:nvPr/>
+        </p:nvCxnSpPr>
+        <p:spPr>
+          <a:xfrm flipH="1" flipV="1">
+            <a:off x="8051328" y="2258512"/>
+            <a:ext cx="308114" cy="256303"/>
+          </a:xfrm>
+          <a:prstGeom prst="line">
+            <a:avLst/>
+          </a:prstGeom>
+          <a:ln w="19050">
+            <a:solidFill>
+              <a:schemeClr val="accent2">
+                <a:lumMod val="75000"/>
+              </a:schemeClr>
+            </a:solidFill>
+            <a:prstDash val="solid"/>
+          </a:ln>
+        </p:spPr>
+        <p:style>
+          <a:lnRef idx="1">
+            <a:schemeClr val="accent1"/>
+          </a:lnRef>
+          <a:fillRef idx="0">
+            <a:schemeClr val="accent1"/>
+          </a:fillRef>
+          <a:effectRef idx="0">
+            <a:schemeClr val="accent1"/>
+          </a:effectRef>
+          <a:fontRef idx="minor">
+            <a:schemeClr val="tx1"/>
+          </a:fontRef>
+        </p:style>
+      </p:cxnSp>
+      <p:cxnSp>
+        <p:nvCxnSpPr>
+          <p:cNvPr id="81" name="Straight Connector 80">
+            <a:extLst>
+              <a:ext uri="{FF2B5EF4-FFF2-40B4-BE49-F238E27FC236}">
+                <a16:creationId xmlns:a16="http://schemas.microsoft.com/office/drawing/2014/main" id="{962F81EA-4C2B-A816-2F3F-EDB59A7D2153}"/>
+              </a:ext>
+            </a:extLst>
+          </p:cNvPr>
+          <p:cNvCxnSpPr>
+            <a:cxnSpLocks/>
+          </p:cNvCxnSpPr>
+          <p:nvPr/>
+        </p:nvCxnSpPr>
+        <p:spPr>
+          <a:xfrm flipV="1">
+            <a:off x="3076047" y="3044971"/>
+            <a:ext cx="993164" cy="674997"/>
+          </a:xfrm>
+          <a:prstGeom prst="line">
+            <a:avLst/>
+          </a:prstGeom>
+          <a:ln w="19050">
+            <a:solidFill>
+              <a:srgbClr val="FF0000"/>
+            </a:solidFill>
+            <a:prstDash val="dash"/>
+          </a:ln>
+        </p:spPr>
+        <p:style>
+          <a:lnRef idx="1">
+            <a:schemeClr val="accent1"/>
+          </a:lnRef>
+          <a:fillRef idx="0">
+            <a:schemeClr val="accent1"/>
+          </a:fillRef>
+          <a:effectRef idx="0">
+            <a:schemeClr val="accent1"/>
+          </a:effectRef>
+          <a:fontRef idx="minor">
+            <a:schemeClr val="tx1"/>
+          </a:fontRef>
+        </p:style>
+      </p:cxnSp>
+      <p:sp>
+        <p:nvSpPr>
+          <p:cNvPr id="82" name="Rectangle 81">
+            <a:extLst>
+              <a:ext uri="{FF2B5EF4-FFF2-40B4-BE49-F238E27FC236}">
+                <a16:creationId xmlns:a16="http://schemas.microsoft.com/office/drawing/2014/main" id="{3BBC424C-13EC-4161-6316-05BA3F182D90}"/>
+              </a:ext>
+            </a:extLst>
+          </p:cNvPr>
+          <p:cNvSpPr/>
+          <p:nvPr/>
+        </p:nvSpPr>
+        <p:spPr>
+          <a:xfrm flipV="1">
+            <a:off x="2785834" y="3458169"/>
+            <a:ext cx="579832" cy="502062"/>
+          </a:xfrm>
+          <a:prstGeom prst="rect">
+            <a:avLst/>
+          </a:prstGeom>
+          <a:noFill/>
+          <a:ln>
+            <a:solidFill>
+              <a:schemeClr val="accent2">
+                <a:lumMod val="75000"/>
+              </a:schemeClr>
+            </a:solidFill>
+          </a:ln>
+        </p:spPr>
+        <p:style>
+          <a:lnRef idx="2">
+            <a:schemeClr val="accent1">
+              <a:shade val="50000"/>
+            </a:schemeClr>
+          </a:lnRef>
+          <a:fillRef idx="1">
+            <a:schemeClr val="accent1"/>
+          </a:fillRef>
+          <a:effectRef idx="0">
+            <a:schemeClr val="accent1"/>
+          </a:effectRef>
+          <a:fontRef idx="minor">
+            <a:schemeClr val="lt1"/>
+          </a:fontRef>
+        </p:style>
+        <p:txBody>
+          <a:bodyPr rtlCol="0" anchor="ctr"/>
+          <a:lstStyle/>
+          <a:p>
+            <a:pPr algn="ctr"/>
+            <a:endParaRPr lang="en-GB"/>
+          </a:p>
+        </p:txBody>
+      </p:sp>
+      <p:cxnSp>
+        <p:nvCxnSpPr>
+          <p:cNvPr id="83" name="Straight Connector 82">
+            <a:extLst>
+              <a:ext uri="{FF2B5EF4-FFF2-40B4-BE49-F238E27FC236}">
+                <a16:creationId xmlns:a16="http://schemas.microsoft.com/office/drawing/2014/main" id="{4802D49B-2AB6-AEA4-7C01-ED0DE5FEFA94}"/>
+              </a:ext>
+            </a:extLst>
+          </p:cNvPr>
+          <p:cNvCxnSpPr>
+            <a:cxnSpLocks/>
+          </p:cNvCxnSpPr>
+          <p:nvPr/>
+        </p:nvCxnSpPr>
+        <p:spPr>
+          <a:xfrm flipH="1" flipV="1">
+            <a:off x="2913083" y="3603038"/>
+            <a:ext cx="308114" cy="256303"/>
+          </a:xfrm>
+          <a:prstGeom prst="line">
+            <a:avLst/>
+          </a:prstGeom>
+          <a:ln w="19050">
+            <a:solidFill>
+              <a:schemeClr val="accent2">
+                <a:lumMod val="75000"/>
+              </a:schemeClr>
+            </a:solidFill>
+            <a:prstDash val="solid"/>
+          </a:ln>
+        </p:spPr>
+        <p:style>
+          <a:lnRef idx="1">
+            <a:schemeClr val="accent1"/>
+          </a:lnRef>
+          <a:fillRef idx="0">
+            <a:schemeClr val="accent1"/>
+          </a:fillRef>
+          <a:effectRef idx="0">
+            <a:schemeClr val="accent1"/>
+          </a:effectRef>
+          <a:fontRef idx="minor">
+            <a:schemeClr val="tx1"/>
+          </a:fontRef>
+        </p:style>
+      </p:cxnSp>
+      <p:cxnSp>
+        <p:nvCxnSpPr>
+          <p:cNvPr id="92" name="Straight Connector 91">
+            <a:extLst>
+              <a:ext uri="{FF2B5EF4-FFF2-40B4-BE49-F238E27FC236}">
+                <a16:creationId xmlns:a16="http://schemas.microsoft.com/office/drawing/2014/main" id="{3A253E40-7B49-D94B-E60B-4B5E7B50246D}"/>
+              </a:ext>
+            </a:extLst>
+          </p:cNvPr>
+          <p:cNvCxnSpPr>
+            <a:cxnSpLocks/>
+          </p:cNvCxnSpPr>
+          <p:nvPr/>
+        </p:nvCxnSpPr>
+        <p:spPr>
+          <a:xfrm>
+            <a:off x="7202862" y="3147073"/>
+            <a:ext cx="0" cy="2598001"/>
+          </a:xfrm>
+          <a:prstGeom prst="line">
+            <a:avLst/>
+          </a:prstGeom>
+          <a:ln w="19050">
+            <a:prstDash val="dash"/>
+          </a:ln>
+        </p:spPr>
+        <p:style>
+          <a:lnRef idx="1">
+            <a:schemeClr val="accent1"/>
+          </a:lnRef>
+          <a:fillRef idx="0">
+            <a:schemeClr val="accent1"/>
+          </a:fillRef>
+          <a:effectRef idx="0">
+            <a:schemeClr val="accent1"/>
+          </a:effectRef>
+          <a:fontRef idx="minor">
+            <a:schemeClr val="tx1"/>
+          </a:fontRef>
+        </p:style>
+      </p:cxnSp>
+      <p:cxnSp>
+        <p:nvCxnSpPr>
+          <p:cNvPr id="96" name="Straight Connector 95">
+            <a:extLst>
+              <a:ext uri="{FF2B5EF4-FFF2-40B4-BE49-F238E27FC236}">
+                <a16:creationId xmlns:a16="http://schemas.microsoft.com/office/drawing/2014/main" id="{C302CF49-8114-A726-4DF4-53E679371202}"/>
+              </a:ext>
+            </a:extLst>
+          </p:cNvPr>
+          <p:cNvCxnSpPr>
+            <a:cxnSpLocks/>
+          </p:cNvCxnSpPr>
+          <p:nvPr/>
+        </p:nvCxnSpPr>
+        <p:spPr>
+          <a:xfrm>
+            <a:off x="7200799" y="3077756"/>
+            <a:ext cx="993164" cy="674997"/>
+          </a:xfrm>
+          <a:prstGeom prst="line">
+            <a:avLst/>
+          </a:prstGeom>
+          <a:ln w="19050">
+            <a:solidFill>
+              <a:srgbClr val="FF0000"/>
+            </a:solidFill>
+            <a:prstDash val="dash"/>
+          </a:ln>
+        </p:spPr>
+        <p:style>
+          <a:lnRef idx="1">
+            <a:schemeClr val="accent1"/>
+          </a:lnRef>
+          <a:fillRef idx="0">
+            <a:schemeClr val="accent1"/>
+          </a:fillRef>
+          <a:effectRef idx="0">
+            <a:schemeClr val="accent1"/>
+          </a:effectRef>
+          <a:fontRef idx="minor">
+            <a:schemeClr val="tx1"/>
+          </a:fontRef>
+        </p:style>
+      </p:cxnSp>
+      <p:sp>
+        <p:nvSpPr>
+          <p:cNvPr id="97" name="Rectangle 96">
+            <a:extLst>
+              <a:ext uri="{FF2B5EF4-FFF2-40B4-BE49-F238E27FC236}">
+                <a16:creationId xmlns:a16="http://schemas.microsoft.com/office/drawing/2014/main" id="{89F878AD-1F18-B7AC-233A-6DB7BC1FB06A}"/>
+              </a:ext>
+            </a:extLst>
+          </p:cNvPr>
+          <p:cNvSpPr/>
+          <p:nvPr/>
+        </p:nvSpPr>
+        <p:spPr>
+          <a:xfrm>
+            <a:off x="7904047" y="3468937"/>
+            <a:ext cx="579832" cy="502062"/>
+          </a:xfrm>
+          <a:prstGeom prst="rect">
+            <a:avLst/>
+          </a:prstGeom>
+          <a:noFill/>
+          <a:ln>
+            <a:solidFill>
+              <a:schemeClr val="accent2">
+                <a:lumMod val="75000"/>
+              </a:schemeClr>
+            </a:solidFill>
+          </a:ln>
+        </p:spPr>
+        <p:style>
+          <a:lnRef idx="2">
+            <a:schemeClr val="accent1">
+              <a:shade val="50000"/>
+            </a:schemeClr>
+          </a:lnRef>
+          <a:fillRef idx="1">
+            <a:schemeClr val="accent1"/>
+          </a:fillRef>
+          <a:effectRef idx="0">
+            <a:schemeClr val="accent1"/>
+          </a:effectRef>
+          <a:fontRef idx="minor">
+            <a:schemeClr val="lt1"/>
+          </a:fontRef>
+        </p:style>
+        <p:txBody>
+          <a:bodyPr rtlCol="0" anchor="ctr"/>
+          <a:lstStyle/>
+          <a:p>
+            <a:pPr algn="ctr"/>
+            <a:endParaRPr lang="en-GB"/>
+          </a:p>
+        </p:txBody>
+      </p:sp>
+      <p:cxnSp>
+        <p:nvCxnSpPr>
+          <p:cNvPr id="98" name="Straight Connector 97">
+            <a:extLst>
+              <a:ext uri="{FF2B5EF4-FFF2-40B4-BE49-F238E27FC236}">
+                <a16:creationId xmlns:a16="http://schemas.microsoft.com/office/drawing/2014/main" id="{53D25916-53CF-8BA8-204F-A578018E42D4}"/>
+              </a:ext>
+            </a:extLst>
+          </p:cNvPr>
+          <p:cNvCxnSpPr>
+            <a:cxnSpLocks/>
+          </p:cNvCxnSpPr>
+          <p:nvPr/>
+        </p:nvCxnSpPr>
+        <p:spPr>
+          <a:xfrm flipH="1">
+            <a:off x="8031296" y="3613806"/>
+            <a:ext cx="308114" cy="256303"/>
+          </a:xfrm>
+          <a:prstGeom prst="line">
+            <a:avLst/>
+          </a:prstGeom>
+          <a:ln w="19050">
+            <a:solidFill>
+              <a:schemeClr val="accent2">
+                <a:lumMod val="75000"/>
+              </a:schemeClr>
+            </a:solidFill>
+            <a:prstDash val="solid"/>
+          </a:ln>
+        </p:spPr>
+        <p:style>
+          <a:lnRef idx="1">
+            <a:schemeClr val="accent1"/>
+          </a:lnRef>
+          <a:fillRef idx="0">
+            <a:schemeClr val="accent1"/>
+          </a:fillRef>
+          <a:effectRef idx="0">
+            <a:schemeClr val="accent1"/>
+          </a:effectRef>
+          <a:fontRef idx="minor">
+            <a:schemeClr val="tx1"/>
+          </a:fontRef>
+        </p:style>
+      </p:cxnSp>
+      <p:cxnSp>
+        <p:nvCxnSpPr>
+          <p:cNvPr id="103" name="Straight Arrow Connector 102">
+            <a:extLst>
+              <a:ext uri="{FF2B5EF4-FFF2-40B4-BE49-F238E27FC236}">
+                <a16:creationId xmlns:a16="http://schemas.microsoft.com/office/drawing/2014/main" id="{87A16B8A-6581-B4E3-10F8-BA11915ED190}"/>
+              </a:ext>
+            </a:extLst>
+          </p:cNvPr>
+          <p:cNvCxnSpPr>
+            <a:cxnSpLocks/>
+          </p:cNvCxnSpPr>
+          <p:nvPr/>
+        </p:nvCxnSpPr>
+        <p:spPr>
+          <a:xfrm>
+            <a:off x="1626319" y="5745074"/>
+            <a:ext cx="5582100" cy="0"/>
+          </a:xfrm>
+          <a:prstGeom prst="straightConnector1">
+            <a:avLst/>
+          </a:prstGeom>
+          <a:ln w="38100">
+            <a:headEnd type="triangle"/>
+            <a:tailEnd type="triangle"/>
+          </a:ln>
+        </p:spPr>
+        <p:style>
+          <a:lnRef idx="1">
+            <a:schemeClr val="accent1"/>
+          </a:lnRef>
+          <a:fillRef idx="0">
+            <a:schemeClr val="accent1"/>
+          </a:fillRef>
+          <a:effectRef idx="0">
+            <a:schemeClr val="accent1"/>
+          </a:effectRef>
+          <a:fontRef idx="minor">
+            <a:schemeClr val="tx1"/>
+          </a:fontRef>
+        </p:style>
+      </p:cxnSp>
+      <p:cxnSp>
+        <p:nvCxnSpPr>
+          <p:cNvPr id="106" name="Straight Arrow Connector 105">
+            <a:extLst>
+              <a:ext uri="{FF2B5EF4-FFF2-40B4-BE49-F238E27FC236}">
+                <a16:creationId xmlns:a16="http://schemas.microsoft.com/office/drawing/2014/main" id="{10C780A1-8E22-F371-77EC-CA5542B543FB}"/>
+              </a:ext>
+            </a:extLst>
+          </p:cNvPr>
+          <p:cNvCxnSpPr>
+            <a:cxnSpLocks/>
+          </p:cNvCxnSpPr>
+          <p:nvPr/>
+        </p:nvCxnSpPr>
+        <p:spPr>
+          <a:xfrm>
+            <a:off x="1612191" y="5249977"/>
+            <a:ext cx="2474468" cy="0"/>
+          </a:xfrm>
+          <a:prstGeom prst="straightConnector1">
+            <a:avLst/>
+          </a:prstGeom>
+          <a:ln w="38100">
+            <a:headEnd type="triangle"/>
+            <a:tailEnd type="triangle"/>
+          </a:ln>
+        </p:spPr>
+        <p:style>
+          <a:lnRef idx="1">
+            <a:schemeClr val="accent1"/>
+          </a:lnRef>
+          <a:fillRef idx="0">
+            <a:schemeClr val="accent1"/>
+          </a:fillRef>
+          <a:effectRef idx="0">
+            <a:schemeClr val="accent1"/>
+          </a:effectRef>
+          <a:fontRef idx="minor">
+            <a:schemeClr val="tx1"/>
+          </a:fontRef>
+        </p:style>
+      </p:cxnSp>
+      <p:sp>
+        <p:nvSpPr>
+          <p:cNvPr id="115" name="TextBox 114">
+            <a:extLst>
+              <a:ext uri="{FF2B5EF4-FFF2-40B4-BE49-F238E27FC236}">
+                <a16:creationId xmlns:a16="http://schemas.microsoft.com/office/drawing/2014/main" id="{D7FF5A3E-1804-C0A1-052F-F640662B5450}"/>
+              </a:ext>
+            </a:extLst>
+          </p:cNvPr>
+          <p:cNvSpPr txBox="1"/>
+          <p:nvPr/>
+        </p:nvSpPr>
+        <p:spPr>
+          <a:xfrm>
+            <a:off x="2637040" y="5225046"/>
+            <a:ext cx="953037" cy="400110"/>
+          </a:xfrm>
+          <a:prstGeom prst="rect">
+            <a:avLst/>
+          </a:prstGeom>
+          <a:noFill/>
+        </p:spPr>
+        <p:txBody>
+          <a:bodyPr wrap="square" rtlCol="0">
+            <a:spAutoFit/>
+          </a:bodyPr>
+          <a:lstStyle/>
+          <a:p>
+            <a:r>
               <a:rPr lang="en-US" sz="2000" dirty="0"/>
               <a:t>L</a:t>
             </a:r>
             <a:r>
               <a:rPr lang="en-US" sz="2000" baseline="-25000" dirty="0"/>
-              <a:t>AG</a:t>
+              <a:t>A</a:t>
+            </a:r>
+          </a:p>
+        </p:txBody>
+      </p:sp>
+      <p:sp>
+        <p:nvSpPr>
+          <p:cNvPr id="116" name="TextBox 115">
+            <a:extLst>
+              <a:ext uri="{FF2B5EF4-FFF2-40B4-BE49-F238E27FC236}">
+                <a16:creationId xmlns:a16="http://schemas.microsoft.com/office/drawing/2014/main" id="{33A55FBA-628E-9AF1-2AA5-CE6CE78C7E8E}"/>
+              </a:ext>
+            </a:extLst>
+          </p:cNvPr>
+          <p:cNvSpPr txBox="1"/>
+          <p:nvPr/>
+        </p:nvSpPr>
+        <p:spPr>
+          <a:xfrm>
+            <a:off x="4086659" y="5699759"/>
+            <a:ext cx="953037" cy="400110"/>
+          </a:xfrm>
+          <a:prstGeom prst="rect">
+            <a:avLst/>
+          </a:prstGeom>
+          <a:noFill/>
+        </p:spPr>
+        <p:txBody>
+          <a:bodyPr wrap="square" rtlCol="0">
+            <a:spAutoFit/>
+          </a:bodyPr>
+          <a:lstStyle/>
+          <a:p>
+            <a:r>
+              <a:rPr lang="en-US" sz="2000" dirty="0"/>
+              <a:t>L</a:t>
+            </a:r>
+            <a:r>
+              <a:rPr lang="en-US" sz="2000" baseline="-25000" dirty="0"/>
+              <a:t>B</a:t>
             </a:r>
           </a:p>
         </p:txBody>
@@ -13380,7 +14786,7 @@
         </p:nvSpPr>
         <p:spPr>
           <a:xfrm>
-            <a:off x="2880729" y="2702778"/>
+            <a:off x="2890254" y="2702778"/>
             <a:ext cx="1038497" cy="796834"/>
           </a:xfrm>
           <a:prstGeom prst="rect">

--- a/Figures/SpindleFBDfigure_1.pptx
+++ b/Figures/SpindleFBDfigure_1.pptx
@@ -300,7 +300,7 @@
           <a:p>
             <a:fld id="{6AFFC431-35AA-48DF-B824-772EF10EA9D4}" type="datetimeFigureOut">
               <a:rPr lang="en-US" smtClean="0"/>
-              <a:t>3/10/2023</a:t>
+              <a:t>3/12/2023</a:t>
             </a:fld>
             <a:endParaRPr lang="en-US"/>
           </a:p>
@@ -498,7 +498,7 @@
           <a:p>
             <a:fld id="{6AFFC431-35AA-48DF-B824-772EF10EA9D4}" type="datetimeFigureOut">
               <a:rPr lang="en-US" smtClean="0"/>
-              <a:t>3/10/2023</a:t>
+              <a:t>3/12/2023</a:t>
             </a:fld>
             <a:endParaRPr lang="en-US"/>
           </a:p>
@@ -706,7 +706,7 @@
           <a:p>
             <a:fld id="{6AFFC431-35AA-48DF-B824-772EF10EA9D4}" type="datetimeFigureOut">
               <a:rPr lang="en-US" smtClean="0"/>
-              <a:t>3/10/2023</a:t>
+              <a:t>3/12/2023</a:t>
             </a:fld>
             <a:endParaRPr lang="en-US"/>
           </a:p>
@@ -904,7 +904,7 @@
           <a:p>
             <a:fld id="{6AFFC431-35AA-48DF-B824-772EF10EA9D4}" type="datetimeFigureOut">
               <a:rPr lang="en-US" smtClean="0"/>
-              <a:t>3/10/2023</a:t>
+              <a:t>3/12/2023</a:t>
             </a:fld>
             <a:endParaRPr lang="en-US"/>
           </a:p>
@@ -1179,7 +1179,7 @@
           <a:p>
             <a:fld id="{6AFFC431-35AA-48DF-B824-772EF10EA9D4}" type="datetimeFigureOut">
               <a:rPr lang="en-US" smtClean="0"/>
-              <a:t>3/10/2023</a:t>
+              <a:t>3/12/2023</a:t>
             </a:fld>
             <a:endParaRPr lang="en-US"/>
           </a:p>
@@ -1444,7 +1444,7 @@
           <a:p>
             <a:fld id="{6AFFC431-35AA-48DF-B824-772EF10EA9D4}" type="datetimeFigureOut">
               <a:rPr lang="en-US" smtClean="0"/>
-              <a:t>3/10/2023</a:t>
+              <a:t>3/12/2023</a:t>
             </a:fld>
             <a:endParaRPr lang="en-US"/>
           </a:p>
@@ -1856,7 +1856,7 @@
           <a:p>
             <a:fld id="{6AFFC431-35AA-48DF-B824-772EF10EA9D4}" type="datetimeFigureOut">
               <a:rPr lang="en-US" smtClean="0"/>
-              <a:t>3/10/2023</a:t>
+              <a:t>3/12/2023</a:t>
             </a:fld>
             <a:endParaRPr lang="en-US"/>
           </a:p>
@@ -1997,7 +1997,7 @@
           <a:p>
             <a:fld id="{6AFFC431-35AA-48DF-B824-772EF10EA9D4}" type="datetimeFigureOut">
               <a:rPr lang="en-US" smtClean="0"/>
-              <a:t>3/10/2023</a:t>
+              <a:t>3/12/2023</a:t>
             </a:fld>
             <a:endParaRPr lang="en-US"/>
           </a:p>
@@ -2110,7 +2110,7 @@
           <a:p>
             <a:fld id="{6AFFC431-35AA-48DF-B824-772EF10EA9D4}" type="datetimeFigureOut">
               <a:rPr lang="en-US" smtClean="0"/>
-              <a:t>3/10/2023</a:t>
+              <a:t>3/12/2023</a:t>
             </a:fld>
             <a:endParaRPr lang="en-US"/>
           </a:p>
@@ -2421,7 +2421,7 @@
           <a:p>
             <a:fld id="{6AFFC431-35AA-48DF-B824-772EF10EA9D4}" type="datetimeFigureOut">
               <a:rPr lang="en-US" smtClean="0"/>
-              <a:t>3/10/2023</a:t>
+              <a:t>3/12/2023</a:t>
             </a:fld>
             <a:endParaRPr lang="en-US"/>
           </a:p>
@@ -2709,7 +2709,7 @@
           <a:p>
             <a:fld id="{6AFFC431-35AA-48DF-B824-772EF10EA9D4}" type="datetimeFigureOut">
               <a:rPr lang="en-US" smtClean="0"/>
-              <a:t>3/10/2023</a:t>
+              <a:t>3/12/2023</a:t>
             </a:fld>
             <a:endParaRPr lang="en-US"/>
           </a:p>
@@ -2950,7 +2950,7 @@
           <a:p>
             <a:fld id="{6AFFC431-35AA-48DF-B824-772EF10EA9D4}" type="datetimeFigureOut">
               <a:rPr lang="en-US" smtClean="0"/>
-              <a:t>3/10/2023</a:t>
+              <a:t>3/12/2023</a:t>
             </a:fld>
             <a:endParaRPr lang="en-US"/>
           </a:p>
@@ -3381,7 +3381,7 @@
         </p:nvSpPr>
         <p:spPr>
           <a:xfrm>
-            <a:off x="3464349" y="521395"/>
+            <a:off x="3455723" y="521395"/>
             <a:ext cx="3954545" cy="1465868"/>
           </a:xfrm>
           <a:prstGeom prst="rect">
@@ -3485,7 +3485,7 @@
         </p:nvSpPr>
         <p:spPr>
           <a:xfrm>
-            <a:off x="7412588" y="847110"/>
+            <a:off x="7403962" y="847110"/>
             <a:ext cx="1038497" cy="796834"/>
           </a:xfrm>
           <a:prstGeom prst="rect">
@@ -3589,7 +3589,7 @@
         </p:nvSpPr>
         <p:spPr>
           <a:xfrm>
-            <a:off x="8457415" y="1004226"/>
+            <a:off x="8448789" y="1004226"/>
             <a:ext cx="735245" cy="461420"/>
           </a:xfrm>
           <a:prstGeom prst="rect">
@@ -3763,7 +3763,7 @@
         </p:nvSpPr>
         <p:spPr>
           <a:xfrm>
-            <a:off x="3312989" y="10801"/>
+            <a:off x="3354329" y="98712"/>
             <a:ext cx="317716" cy="369332"/>
           </a:xfrm>
           <a:prstGeom prst="rect">
@@ -4616,176 +4616,6 @@
           </a:fontRef>
         </p:style>
       </p:cxnSp>
-      <p:grpSp>
-        <p:nvGrpSpPr>
-          <p:cNvPr id="63" name="Group 62">
-            <a:extLst>
-              <a:ext uri="{FF2B5EF4-FFF2-40B4-BE49-F238E27FC236}">
-                <a16:creationId xmlns:a16="http://schemas.microsoft.com/office/drawing/2014/main" id="{A8B2BA00-EFEF-BA4F-E18E-6307FC2BB9CC}"/>
-              </a:ext>
-            </a:extLst>
-          </p:cNvPr>
-          <p:cNvGrpSpPr/>
-          <p:nvPr/>
-        </p:nvGrpSpPr>
-        <p:grpSpPr>
-          <a:xfrm rot="4788885">
-            <a:off x="10093466" y="3938028"/>
-            <a:ext cx="537328" cy="505746"/>
-            <a:chOff x="5019773" y="4363040"/>
-            <a:chExt cx="917541" cy="969230"/>
-          </a:xfrm>
-        </p:grpSpPr>
-        <p:sp>
-          <p:nvSpPr>
-            <p:cNvPr id="60" name="Arc 59">
-              <a:extLst>
-                <a:ext uri="{FF2B5EF4-FFF2-40B4-BE49-F238E27FC236}">
-                  <a16:creationId xmlns:a16="http://schemas.microsoft.com/office/drawing/2014/main" id="{D5562FDB-03A6-4257-FBBD-D9DD030744CB}"/>
-                </a:ext>
-              </a:extLst>
-            </p:cNvPr>
-            <p:cNvSpPr/>
-            <p:nvPr/>
-          </p:nvSpPr>
-          <p:spPr>
-            <a:xfrm rot="16615571">
-              <a:off x="5022914" y="4363040"/>
-              <a:ext cx="914400" cy="914400"/>
-            </a:xfrm>
-            <a:prstGeom prst="arc">
-              <a:avLst/>
-            </a:prstGeom>
-            <a:ln w="38100">
-              <a:solidFill>
-                <a:schemeClr val="tx1"/>
-              </a:solidFill>
-            </a:ln>
-          </p:spPr>
-          <p:style>
-            <a:lnRef idx="1">
-              <a:schemeClr val="accent1"/>
-            </a:lnRef>
-            <a:fillRef idx="0">
-              <a:schemeClr val="accent1"/>
-            </a:fillRef>
-            <a:effectRef idx="0">
-              <a:schemeClr val="accent1"/>
-            </a:effectRef>
-            <a:fontRef idx="minor">
-              <a:schemeClr val="tx1"/>
-            </a:fontRef>
-          </p:style>
-          <p:txBody>
-            <a:bodyPr rtlCol="0" anchor="ctr"/>
-            <a:lstStyle/>
-            <a:p>
-              <a:pPr algn="ctr"/>
-              <a:endParaRPr lang="en-US"/>
-            </a:p>
-          </p:txBody>
-        </p:sp>
-        <p:sp>
-          <p:nvSpPr>
-            <p:cNvPr id="61" name="Arc 60">
-              <a:extLst>
-                <a:ext uri="{FF2B5EF4-FFF2-40B4-BE49-F238E27FC236}">
-                  <a16:creationId xmlns:a16="http://schemas.microsoft.com/office/drawing/2014/main" id="{0D52C944-F3B1-B3BC-4FCC-3F9C1766DF02}"/>
-                </a:ext>
-              </a:extLst>
-            </p:cNvPr>
-            <p:cNvSpPr/>
-            <p:nvPr/>
-          </p:nvSpPr>
-          <p:spPr>
-            <a:xfrm rot="11399403">
-              <a:off x="5019773" y="4383463"/>
-              <a:ext cx="914400" cy="914400"/>
-            </a:xfrm>
-            <a:prstGeom prst="arc">
-              <a:avLst/>
-            </a:prstGeom>
-            <a:ln w="38100">
-              <a:solidFill>
-                <a:schemeClr val="tx1"/>
-              </a:solidFill>
-              <a:headEnd type="arrow" w="med" len="med"/>
-              <a:tailEnd type="none" w="med" len="med"/>
-            </a:ln>
-          </p:spPr>
-          <p:style>
-            <a:lnRef idx="1">
-              <a:schemeClr val="accent1"/>
-            </a:lnRef>
-            <a:fillRef idx="0">
-              <a:schemeClr val="accent1"/>
-            </a:fillRef>
-            <a:effectRef idx="0">
-              <a:schemeClr val="accent1"/>
-            </a:effectRef>
-            <a:fontRef idx="minor">
-              <a:schemeClr val="tx1"/>
-            </a:fontRef>
-          </p:style>
-          <p:txBody>
-            <a:bodyPr rtlCol="0" anchor="ctr"/>
-            <a:lstStyle/>
-            <a:p>
-              <a:pPr algn="ctr"/>
-              <a:endParaRPr lang="en-US" dirty="0"/>
-            </a:p>
-          </p:txBody>
-        </p:sp>
-        <p:sp>
-          <p:nvSpPr>
-            <p:cNvPr id="62" name="Arc 61">
-              <a:extLst>
-                <a:ext uri="{FF2B5EF4-FFF2-40B4-BE49-F238E27FC236}">
-                  <a16:creationId xmlns:a16="http://schemas.microsoft.com/office/drawing/2014/main" id="{4351D192-5B75-D434-D892-C799BCB8CC18}"/>
-                </a:ext>
-              </a:extLst>
-            </p:cNvPr>
-            <p:cNvSpPr/>
-            <p:nvPr/>
-          </p:nvSpPr>
-          <p:spPr>
-            <a:xfrm rot="392529">
-              <a:off x="5022240" y="4364013"/>
-              <a:ext cx="902476" cy="968257"/>
-            </a:xfrm>
-            <a:prstGeom prst="arc">
-              <a:avLst/>
-            </a:prstGeom>
-            <a:ln w="38100">
-              <a:solidFill>
-                <a:schemeClr val="tx1"/>
-              </a:solidFill>
-            </a:ln>
-          </p:spPr>
-          <p:style>
-            <a:lnRef idx="1">
-              <a:schemeClr val="accent1"/>
-            </a:lnRef>
-            <a:fillRef idx="0">
-              <a:schemeClr val="accent1"/>
-            </a:fillRef>
-            <a:effectRef idx="0">
-              <a:schemeClr val="accent1"/>
-            </a:effectRef>
-            <a:fontRef idx="minor">
-              <a:schemeClr val="tx1"/>
-            </a:fontRef>
-          </p:style>
-          <p:txBody>
-            <a:bodyPr rtlCol="0" anchor="ctr"/>
-            <a:lstStyle/>
-            <a:p>
-              <a:pPr algn="ctr"/>
-              <a:endParaRPr lang="en-US" dirty="0"/>
-            </a:p>
-          </p:txBody>
-        </p:sp>
-      </p:grpSp>
       <p:cxnSp>
         <p:nvCxnSpPr>
           <p:cNvPr id="72" name="Straight Arrow Connector 71">
@@ -4802,7 +4632,7 @@
         </p:nvCxnSpPr>
         <p:spPr>
           <a:xfrm flipH="1">
-            <a:off x="10134465" y="1240271"/>
+            <a:off x="9939025" y="1234249"/>
             <a:ext cx="846218" cy="0"/>
           </a:xfrm>
           <a:prstGeom prst="straightConnector1">
@@ -4843,7 +4673,7 @@
         </p:nvCxnSpPr>
         <p:spPr>
           <a:xfrm flipV="1">
-            <a:off x="10158113" y="1460987"/>
+            <a:off x="9941458" y="1246643"/>
             <a:ext cx="0" cy="698883"/>
           </a:xfrm>
           <a:prstGeom prst="straightConnector1">
@@ -5441,7 +5271,7 @@
         </p:nvCxnSpPr>
         <p:spPr>
           <a:xfrm flipV="1">
-            <a:off x="10066146" y="4466945"/>
+            <a:off x="9895785" y="4415182"/>
             <a:ext cx="0" cy="698883"/>
           </a:xfrm>
           <a:prstGeom prst="straightConnector1">
@@ -5482,7 +5312,7 @@
         </p:nvCxnSpPr>
         <p:spPr>
           <a:xfrm flipV="1">
-            <a:off x="2942759" y="488779"/>
+            <a:off x="2937504" y="633793"/>
             <a:ext cx="0" cy="698883"/>
           </a:xfrm>
           <a:prstGeom prst="straightConnector1">
@@ -5523,7 +5353,7 @@
         </p:nvCxnSpPr>
         <p:spPr>
           <a:xfrm flipV="1">
-            <a:off x="7995607" y="496659"/>
+            <a:off x="7964079" y="610797"/>
             <a:ext cx="0" cy="698883"/>
           </a:xfrm>
           <a:prstGeom prst="straightConnector1">
@@ -5562,7 +5392,7 @@
         </p:nvSpPr>
         <p:spPr>
           <a:xfrm>
-            <a:off x="7594125" y="86710"/>
+            <a:off x="7559909" y="198274"/>
             <a:ext cx="953037" cy="400110"/>
           </a:xfrm>
           <a:prstGeom prst="rect">
@@ -5640,7 +5470,7 @@
         </p:nvSpPr>
         <p:spPr>
           <a:xfrm>
-            <a:off x="2756739" y="152400"/>
+            <a:off x="2739573" y="212302"/>
             <a:ext cx="953037" cy="400110"/>
           </a:xfrm>
           <a:prstGeom prst="rect">
@@ -5718,7 +5548,7 @@
         </p:nvSpPr>
         <p:spPr>
           <a:xfrm>
-            <a:off x="7397057" y="827690"/>
+            <a:off x="7335735" y="854219"/>
             <a:ext cx="953037" cy="400110"/>
           </a:xfrm>
           <a:prstGeom prst="rect">
@@ -5757,7 +5587,7 @@
         </p:nvSpPr>
         <p:spPr>
           <a:xfrm>
-            <a:off x="10287401" y="746234"/>
+            <a:off x="10091961" y="740212"/>
             <a:ext cx="953037" cy="400110"/>
           </a:xfrm>
           <a:prstGeom prst="rect">
@@ -5798,7 +5628,7 @@
         </p:nvCxnSpPr>
         <p:spPr>
           <a:xfrm flipV="1">
-            <a:off x="2937504" y="3526268"/>
+            <a:off x="2937419" y="3640202"/>
             <a:ext cx="0" cy="698883"/>
           </a:xfrm>
           <a:prstGeom prst="straightConnector1">
@@ -5839,7 +5669,7 @@
         </p:nvCxnSpPr>
         <p:spPr>
           <a:xfrm flipV="1">
-            <a:off x="7990352" y="3534148"/>
+            <a:off x="7970923" y="3594553"/>
             <a:ext cx="0" cy="698883"/>
           </a:xfrm>
           <a:prstGeom prst="straightConnector1">
@@ -5878,7 +5708,7 @@
         </p:nvSpPr>
         <p:spPr>
           <a:xfrm>
-            <a:off x="7588870" y="3124199"/>
+            <a:off x="7569441" y="3184604"/>
             <a:ext cx="953037" cy="400110"/>
           </a:xfrm>
           <a:prstGeom prst="rect">
@@ -5893,13 +5723,14 @@
           <a:lstStyle/>
           <a:p>
             <a:r>
-              <a:rPr lang="en-US" sz="2000" b="1" dirty="0"/>
+              <a:rPr lang="en-US" sz="2000" b="1" dirty="0" err="1"/>
               <a:t>R</a:t>
             </a:r>
             <a:r>
-              <a:rPr lang="en-US" sz="2000" b="1" baseline="-25000" dirty="0"/>
-              <a:t>a_x</a:t>
-            </a:r>
+              <a:rPr lang="en-US" sz="2000" b="1" baseline="-25000" dirty="0" err="1"/>
+              <a:t>b_x</a:t>
+            </a:r>
+            <a:endParaRPr lang="en-US" sz="2000" b="1" baseline="-25000" dirty="0"/>
           </a:p>
         </p:txBody>
       </p:sp>
@@ -5917,7 +5748,7 @@
         </p:nvSpPr>
         <p:spPr>
           <a:xfrm>
-            <a:off x="10269008" y="1642241"/>
+            <a:off x="10052353" y="1427897"/>
             <a:ext cx="953037" cy="400110"/>
           </a:xfrm>
           <a:prstGeom prst="rect">
@@ -5956,7 +5787,7 @@
         </p:nvSpPr>
         <p:spPr>
           <a:xfrm>
-            <a:off x="9822318" y="5223641"/>
+            <a:off x="9899071" y="4878766"/>
             <a:ext cx="953037" cy="400110"/>
           </a:xfrm>
           <a:prstGeom prst="rect">
@@ -5977,45 +5808,6 @@
             <a:r>
               <a:rPr lang="en-US" sz="2000" b="1" baseline="-25000" dirty="0"/>
               <a:t>cut_x</a:t>
-            </a:r>
-          </a:p>
-        </p:txBody>
-      </p:sp>
-      <p:sp>
-        <p:nvSpPr>
-          <p:cNvPr id="115" name="TextBox 114">
-            <a:extLst>
-              <a:ext uri="{FF2B5EF4-FFF2-40B4-BE49-F238E27FC236}">
-                <a16:creationId xmlns:a16="http://schemas.microsoft.com/office/drawing/2014/main" id="{6E6D56D5-0DEE-9F5D-0A0D-F00B4A217E8E}"/>
-              </a:ext>
-            </a:extLst>
-          </p:cNvPr>
-          <p:cNvSpPr txBox="1"/>
-          <p:nvPr/>
-        </p:nvSpPr>
-        <p:spPr>
-          <a:xfrm>
-            <a:off x="10254523" y="3518451"/>
-            <a:ext cx="953037" cy="400110"/>
-          </a:xfrm>
-          <a:prstGeom prst="rect">
-            <a:avLst/>
-          </a:prstGeom>
-          <a:noFill/>
-        </p:spPr>
-        <p:txBody>
-          <a:bodyPr wrap="square" rtlCol="0">
-            <a:spAutoFit/>
-          </a:bodyPr>
-          <a:lstStyle/>
-          <a:p>
-            <a:r>
-              <a:rPr lang="en-US" sz="2000" b="1" dirty="0"/>
-              <a:t>M</a:t>
-            </a:r>
-            <a:r>
-              <a:rPr lang="en-US" sz="2000" b="1" baseline="-25000" dirty="0"/>
-              <a:t>c_cross</a:t>
             </a:r>
           </a:p>
         </p:txBody>
@@ -6434,7 +6226,7 @@
         </p:nvSpPr>
         <p:spPr>
           <a:xfrm>
-            <a:off x="2603377" y="3123348"/>
+            <a:off x="2603292" y="3237282"/>
             <a:ext cx="953037" cy="400110"/>
           </a:xfrm>
           <a:prstGeom prst="rect">
@@ -6763,7 +6555,7 @@
         </p:nvCxnSpPr>
         <p:spPr>
           <a:xfrm flipV="1">
-            <a:off x="2034128" y="5928951"/>
+            <a:off x="2124608" y="5850799"/>
             <a:ext cx="0" cy="516038"/>
           </a:xfrm>
           <a:prstGeom prst="straightConnector1">
@@ -6802,7 +6594,7 @@
         </p:nvSpPr>
         <p:spPr>
           <a:xfrm>
-            <a:off x="1305675" y="5827074"/>
+            <a:off x="1474044" y="5988895"/>
             <a:ext cx="953037" cy="400110"/>
           </a:xfrm>
           <a:prstGeom prst="rect">
@@ -6823,6 +6615,326 @@
             <a:r>
               <a:rPr lang="en-US" sz="2000" b="1" baseline="-25000" dirty="0"/>
               <a:t>cut_y</a:t>
+            </a:r>
+          </a:p>
+        </p:txBody>
+      </p:sp>
+      <p:cxnSp>
+        <p:nvCxnSpPr>
+          <p:cNvPr id="31" name="Straight Arrow Connector 30">
+            <a:extLst>
+              <a:ext uri="{FF2B5EF4-FFF2-40B4-BE49-F238E27FC236}">
+                <a16:creationId xmlns:a16="http://schemas.microsoft.com/office/drawing/2014/main" id="{0FE79482-ACFA-BA90-27BC-75A2D766B88E}"/>
+              </a:ext>
+            </a:extLst>
+          </p:cNvPr>
+          <p:cNvCxnSpPr>
+            <a:cxnSpLocks/>
+          </p:cNvCxnSpPr>
+          <p:nvPr/>
+        </p:nvCxnSpPr>
+        <p:spPr>
+          <a:xfrm flipH="1">
+            <a:off x="9882599" y="4407711"/>
+            <a:ext cx="846218" cy="0"/>
+          </a:xfrm>
+          <a:prstGeom prst="straightConnector1">
+            <a:avLst/>
+          </a:prstGeom>
+          <a:ln w="38100">
+            <a:tailEnd type="triangle"/>
+          </a:ln>
+        </p:spPr>
+        <p:style>
+          <a:lnRef idx="1">
+            <a:schemeClr val="dk1"/>
+          </a:lnRef>
+          <a:fillRef idx="0">
+            <a:schemeClr val="dk1"/>
+          </a:fillRef>
+          <a:effectRef idx="0">
+            <a:schemeClr val="dk1"/>
+          </a:effectRef>
+          <a:fontRef idx="minor">
+            <a:schemeClr val="tx1"/>
+          </a:fontRef>
+        </p:style>
+      </p:cxnSp>
+      <p:sp>
+        <p:nvSpPr>
+          <p:cNvPr id="33" name="TextBox 32">
+            <a:extLst>
+              <a:ext uri="{FF2B5EF4-FFF2-40B4-BE49-F238E27FC236}">
+                <a16:creationId xmlns:a16="http://schemas.microsoft.com/office/drawing/2014/main" id="{B324FA45-5175-0895-CE0F-6BF628EEA5D7}"/>
+              </a:ext>
+            </a:extLst>
+          </p:cNvPr>
+          <p:cNvSpPr txBox="1"/>
+          <p:nvPr/>
+        </p:nvSpPr>
+        <p:spPr>
+          <a:xfrm>
+            <a:off x="10101933" y="3928497"/>
+            <a:ext cx="953037" cy="400110"/>
+          </a:xfrm>
+          <a:prstGeom prst="rect">
+            <a:avLst/>
+          </a:prstGeom>
+          <a:noFill/>
+        </p:spPr>
+        <p:txBody>
+          <a:bodyPr wrap="square" rtlCol="0">
+            <a:spAutoFit/>
+          </a:bodyPr>
+          <a:lstStyle/>
+          <a:p>
+            <a:r>
+              <a:rPr lang="en-US" sz="2000" b="1" dirty="0"/>
+              <a:t>F</a:t>
+            </a:r>
+            <a:r>
+              <a:rPr lang="en-US" sz="2000" b="1" baseline="-25000" dirty="0"/>
+              <a:t>feed_z</a:t>
+            </a:r>
+          </a:p>
+        </p:txBody>
+      </p:sp>
+      <p:cxnSp>
+        <p:nvCxnSpPr>
+          <p:cNvPr id="34" name="Straight Arrow Connector 33">
+            <a:extLst>
+              <a:ext uri="{FF2B5EF4-FFF2-40B4-BE49-F238E27FC236}">
+                <a16:creationId xmlns:a16="http://schemas.microsoft.com/office/drawing/2014/main" id="{5345EC27-BD86-C84E-3E8D-1EA7E07FCAD4}"/>
+              </a:ext>
+            </a:extLst>
+          </p:cNvPr>
+          <p:cNvCxnSpPr>
+            <a:cxnSpLocks/>
+          </p:cNvCxnSpPr>
+          <p:nvPr/>
+        </p:nvCxnSpPr>
+        <p:spPr>
+          <a:xfrm>
+            <a:off x="2292515" y="4336130"/>
+            <a:ext cx="623740" cy="0"/>
+          </a:xfrm>
+          <a:prstGeom prst="straightConnector1">
+            <a:avLst/>
+          </a:prstGeom>
+          <a:ln w="38100">
+            <a:tailEnd type="triangle"/>
+          </a:ln>
+        </p:spPr>
+        <p:style>
+          <a:lnRef idx="1">
+            <a:schemeClr val="dk1"/>
+          </a:lnRef>
+          <a:fillRef idx="0">
+            <a:schemeClr val="dk1"/>
+          </a:fillRef>
+          <a:effectRef idx="0">
+            <a:schemeClr val="dk1"/>
+          </a:effectRef>
+          <a:fontRef idx="minor">
+            <a:schemeClr val="tx1"/>
+          </a:fontRef>
+        </p:style>
+      </p:cxnSp>
+      <p:cxnSp>
+        <p:nvCxnSpPr>
+          <p:cNvPr id="35" name="Straight Arrow Connector 34">
+            <a:extLst>
+              <a:ext uri="{FF2B5EF4-FFF2-40B4-BE49-F238E27FC236}">
+                <a16:creationId xmlns:a16="http://schemas.microsoft.com/office/drawing/2014/main" id="{4423AB57-EF11-7E31-73C8-C5C4CF313441}"/>
+              </a:ext>
+            </a:extLst>
+          </p:cNvPr>
+          <p:cNvCxnSpPr>
+            <a:cxnSpLocks/>
+          </p:cNvCxnSpPr>
+          <p:nvPr/>
+        </p:nvCxnSpPr>
+        <p:spPr>
+          <a:xfrm>
+            <a:off x="7323287" y="4285853"/>
+            <a:ext cx="623740" cy="0"/>
+          </a:xfrm>
+          <a:prstGeom prst="straightConnector1">
+            <a:avLst/>
+          </a:prstGeom>
+          <a:ln w="38100">
+            <a:tailEnd type="triangle"/>
+          </a:ln>
+        </p:spPr>
+        <p:style>
+          <a:lnRef idx="1">
+            <a:schemeClr val="dk1"/>
+          </a:lnRef>
+          <a:fillRef idx="0">
+            <a:schemeClr val="dk1"/>
+          </a:fillRef>
+          <a:effectRef idx="0">
+            <a:schemeClr val="dk1"/>
+          </a:effectRef>
+          <a:fontRef idx="minor">
+            <a:schemeClr val="tx1"/>
+          </a:fontRef>
+        </p:style>
+      </p:cxnSp>
+      <p:sp>
+        <p:nvSpPr>
+          <p:cNvPr id="36" name="TextBox 35">
+            <a:extLst>
+              <a:ext uri="{FF2B5EF4-FFF2-40B4-BE49-F238E27FC236}">
+                <a16:creationId xmlns:a16="http://schemas.microsoft.com/office/drawing/2014/main" id="{03932891-8BC6-F32C-F4D9-9B315A0CD46D}"/>
+              </a:ext>
+            </a:extLst>
+          </p:cNvPr>
+          <p:cNvSpPr txBox="1"/>
+          <p:nvPr/>
+        </p:nvSpPr>
+        <p:spPr>
+          <a:xfrm>
+            <a:off x="2348177" y="3873272"/>
+            <a:ext cx="953037" cy="400110"/>
+          </a:xfrm>
+          <a:prstGeom prst="rect">
+            <a:avLst/>
+          </a:prstGeom>
+          <a:noFill/>
+        </p:spPr>
+        <p:txBody>
+          <a:bodyPr wrap="square" rtlCol="0">
+            <a:spAutoFit/>
+          </a:bodyPr>
+          <a:lstStyle/>
+          <a:p>
+            <a:r>
+              <a:rPr lang="en-US" sz="2000" b="1" dirty="0"/>
+              <a:t>R</a:t>
+            </a:r>
+            <a:r>
+              <a:rPr lang="en-US" sz="2000" b="1" baseline="-25000" dirty="0"/>
+              <a:t>a_z</a:t>
+            </a:r>
+          </a:p>
+        </p:txBody>
+      </p:sp>
+      <p:sp>
+        <p:nvSpPr>
+          <p:cNvPr id="37" name="TextBox 36">
+            <a:extLst>
+              <a:ext uri="{FF2B5EF4-FFF2-40B4-BE49-F238E27FC236}">
+                <a16:creationId xmlns:a16="http://schemas.microsoft.com/office/drawing/2014/main" id="{179BC6E1-4E28-50E8-A37D-79CB573DAF50}"/>
+              </a:ext>
+            </a:extLst>
+          </p:cNvPr>
+          <p:cNvSpPr txBox="1"/>
+          <p:nvPr/>
+        </p:nvSpPr>
+        <p:spPr>
+          <a:xfrm>
+            <a:off x="7318683" y="3847249"/>
+            <a:ext cx="953037" cy="400110"/>
+          </a:xfrm>
+          <a:prstGeom prst="rect">
+            <a:avLst/>
+          </a:prstGeom>
+          <a:noFill/>
+        </p:spPr>
+        <p:txBody>
+          <a:bodyPr wrap="square" rtlCol="0">
+            <a:spAutoFit/>
+          </a:bodyPr>
+          <a:lstStyle/>
+          <a:p>
+            <a:r>
+              <a:rPr lang="en-US" sz="2000" b="1" dirty="0"/>
+              <a:t>R</a:t>
+            </a:r>
+            <a:r>
+              <a:rPr lang="en-US" sz="2000" b="1" baseline="-25000" dirty="0"/>
+              <a:t>b_z</a:t>
+            </a:r>
+          </a:p>
+        </p:txBody>
+      </p:sp>
+      <p:cxnSp>
+        <p:nvCxnSpPr>
+          <p:cNvPr id="38" name="Straight Arrow Connector 37">
+            <a:extLst>
+              <a:ext uri="{FF2B5EF4-FFF2-40B4-BE49-F238E27FC236}">
+                <a16:creationId xmlns:a16="http://schemas.microsoft.com/office/drawing/2014/main" id="{2379F883-1AF1-E6CE-749D-27EBA1779289}"/>
+              </a:ext>
+            </a:extLst>
+          </p:cNvPr>
+          <p:cNvCxnSpPr>
+            <a:cxnSpLocks/>
+          </p:cNvCxnSpPr>
+          <p:nvPr/>
+        </p:nvCxnSpPr>
+        <p:spPr>
+          <a:xfrm>
+            <a:off x="1405375" y="5830892"/>
+            <a:ext cx="731377" cy="0"/>
+          </a:xfrm>
+          <a:prstGeom prst="straightConnector1">
+            <a:avLst/>
+          </a:prstGeom>
+          <a:ln w="38100">
+            <a:tailEnd type="triangle"/>
+          </a:ln>
+        </p:spPr>
+        <p:style>
+          <a:lnRef idx="1">
+            <a:schemeClr val="dk1"/>
+          </a:lnRef>
+          <a:fillRef idx="0">
+            <a:schemeClr val="dk1"/>
+          </a:fillRef>
+          <a:effectRef idx="0">
+            <a:schemeClr val="dk1"/>
+          </a:effectRef>
+          <a:fontRef idx="minor">
+            <a:schemeClr val="tx1"/>
+          </a:fontRef>
+        </p:style>
+      </p:cxnSp>
+      <p:sp>
+        <p:nvSpPr>
+          <p:cNvPr id="39" name="TextBox 38">
+            <a:extLst>
+              <a:ext uri="{FF2B5EF4-FFF2-40B4-BE49-F238E27FC236}">
+                <a16:creationId xmlns:a16="http://schemas.microsoft.com/office/drawing/2014/main" id="{1EE3B9D7-2966-7114-EB5B-30750087A2B0}"/>
+              </a:ext>
+            </a:extLst>
+          </p:cNvPr>
+          <p:cNvSpPr txBox="1"/>
+          <p:nvPr/>
+        </p:nvSpPr>
+        <p:spPr>
+          <a:xfrm>
+            <a:off x="1382502" y="5431156"/>
+            <a:ext cx="953037" cy="400110"/>
+          </a:xfrm>
+          <a:prstGeom prst="rect">
+            <a:avLst/>
+          </a:prstGeom>
+          <a:noFill/>
+        </p:spPr>
+        <p:txBody>
+          <a:bodyPr wrap="square" rtlCol="0">
+            <a:spAutoFit/>
+          </a:bodyPr>
+          <a:lstStyle/>
+          <a:p>
+            <a:r>
+              <a:rPr lang="en-US" sz="2000" b="1" dirty="0"/>
+              <a:t>F</a:t>
+            </a:r>
+            <a:r>
+              <a:rPr lang="en-US" sz="2000" b="1" baseline="-25000" dirty="0"/>
+              <a:t>cut_x</a:t>
             </a:r>
           </a:p>
         </p:txBody>

--- a/Figures/SpindleFBDfigure_1.pptx
+++ b/Figures/SpindleFBDfigure_1.pptx
@@ -300,7 +300,7 @@
           <a:p>
             <a:fld id="{6AFFC431-35AA-48DF-B824-772EF10EA9D4}" type="datetimeFigureOut">
               <a:rPr lang="en-US" smtClean="0"/>
-              <a:t>3/12/2023</a:t>
+              <a:t>3/13/2023</a:t>
             </a:fld>
             <a:endParaRPr lang="en-US"/>
           </a:p>
@@ -498,7 +498,7 @@
           <a:p>
             <a:fld id="{6AFFC431-35AA-48DF-B824-772EF10EA9D4}" type="datetimeFigureOut">
               <a:rPr lang="en-US" smtClean="0"/>
-              <a:t>3/12/2023</a:t>
+              <a:t>3/13/2023</a:t>
             </a:fld>
             <a:endParaRPr lang="en-US"/>
           </a:p>
@@ -706,7 +706,7 @@
           <a:p>
             <a:fld id="{6AFFC431-35AA-48DF-B824-772EF10EA9D4}" type="datetimeFigureOut">
               <a:rPr lang="en-US" smtClean="0"/>
-              <a:t>3/12/2023</a:t>
+              <a:t>3/13/2023</a:t>
             </a:fld>
             <a:endParaRPr lang="en-US"/>
           </a:p>
@@ -904,7 +904,7 @@
           <a:p>
             <a:fld id="{6AFFC431-35AA-48DF-B824-772EF10EA9D4}" type="datetimeFigureOut">
               <a:rPr lang="en-US" smtClean="0"/>
-              <a:t>3/12/2023</a:t>
+              <a:t>3/13/2023</a:t>
             </a:fld>
             <a:endParaRPr lang="en-US"/>
           </a:p>
@@ -1179,7 +1179,7 @@
           <a:p>
             <a:fld id="{6AFFC431-35AA-48DF-B824-772EF10EA9D4}" type="datetimeFigureOut">
               <a:rPr lang="en-US" smtClean="0"/>
-              <a:t>3/12/2023</a:t>
+              <a:t>3/13/2023</a:t>
             </a:fld>
             <a:endParaRPr lang="en-US"/>
           </a:p>
@@ -1444,7 +1444,7 @@
           <a:p>
             <a:fld id="{6AFFC431-35AA-48DF-B824-772EF10EA9D4}" type="datetimeFigureOut">
               <a:rPr lang="en-US" smtClean="0"/>
-              <a:t>3/12/2023</a:t>
+              <a:t>3/13/2023</a:t>
             </a:fld>
             <a:endParaRPr lang="en-US"/>
           </a:p>
@@ -1856,7 +1856,7 @@
           <a:p>
             <a:fld id="{6AFFC431-35AA-48DF-B824-772EF10EA9D4}" type="datetimeFigureOut">
               <a:rPr lang="en-US" smtClean="0"/>
-              <a:t>3/12/2023</a:t>
+              <a:t>3/13/2023</a:t>
             </a:fld>
             <a:endParaRPr lang="en-US"/>
           </a:p>
@@ -1997,7 +1997,7 @@
           <a:p>
             <a:fld id="{6AFFC431-35AA-48DF-B824-772EF10EA9D4}" type="datetimeFigureOut">
               <a:rPr lang="en-US" smtClean="0"/>
-              <a:t>3/12/2023</a:t>
+              <a:t>3/13/2023</a:t>
             </a:fld>
             <a:endParaRPr lang="en-US"/>
           </a:p>
@@ -2110,7 +2110,7 @@
           <a:p>
             <a:fld id="{6AFFC431-35AA-48DF-B824-772EF10EA9D4}" type="datetimeFigureOut">
               <a:rPr lang="en-US" smtClean="0"/>
-              <a:t>3/12/2023</a:t>
+              <a:t>3/13/2023</a:t>
             </a:fld>
             <a:endParaRPr lang="en-US"/>
           </a:p>
@@ -2421,7 +2421,7 @@
           <a:p>
             <a:fld id="{6AFFC431-35AA-48DF-B824-772EF10EA9D4}" type="datetimeFigureOut">
               <a:rPr lang="en-US" smtClean="0"/>
-              <a:t>3/12/2023</a:t>
+              <a:t>3/13/2023</a:t>
             </a:fld>
             <a:endParaRPr lang="en-US"/>
           </a:p>
@@ -2709,7 +2709,7 @@
           <a:p>
             <a:fld id="{6AFFC431-35AA-48DF-B824-772EF10EA9D4}" type="datetimeFigureOut">
               <a:rPr lang="en-US" smtClean="0"/>
-              <a:t>3/12/2023</a:t>
+              <a:t>3/13/2023</a:t>
             </a:fld>
             <a:endParaRPr lang="en-US"/>
           </a:p>
@@ -2950,7 +2950,7 @@
           <a:p>
             <a:fld id="{6AFFC431-35AA-48DF-B824-772EF10EA9D4}" type="datetimeFigureOut">
               <a:rPr lang="en-US" smtClean="0"/>
-              <a:t>3/12/2023</a:t>
+              <a:t>3/13/2023</a:t>
             </a:fld>
             <a:endParaRPr lang="en-US"/>
           </a:p>
@@ -3519,7 +3519,7 @@
           <a:lstStyle/>
           <a:p>
             <a:pPr algn="ctr"/>
-            <a:endParaRPr lang="en-US"/>
+            <a:endParaRPr lang="en-US" dirty="0"/>
           </a:p>
         </p:txBody>
       </p:sp>
@@ -4536,47 +4536,6 @@
       </p:cxnSp>
       <p:cxnSp>
         <p:nvCxnSpPr>
-          <p:cNvPr id="45" name="Straight Arrow Connector 44">
-            <a:extLst>
-              <a:ext uri="{FF2B5EF4-FFF2-40B4-BE49-F238E27FC236}">
-                <a16:creationId xmlns:a16="http://schemas.microsoft.com/office/drawing/2014/main" id="{AF3DD4EF-7645-59E7-3B05-84B759FD959C}"/>
-              </a:ext>
-            </a:extLst>
-          </p:cNvPr>
-          <p:cNvCxnSpPr>
-            <a:cxnSpLocks/>
-          </p:cNvCxnSpPr>
-          <p:nvPr/>
-        </p:nvCxnSpPr>
-        <p:spPr>
-          <a:xfrm>
-            <a:off x="7340339" y="1292823"/>
-            <a:ext cx="623740" cy="0"/>
-          </a:xfrm>
-          <a:prstGeom prst="straightConnector1">
-            <a:avLst/>
-          </a:prstGeom>
-          <a:ln w="38100">
-            <a:tailEnd type="triangle"/>
-          </a:ln>
-        </p:spPr>
-        <p:style>
-          <a:lnRef idx="1">
-            <a:schemeClr val="dk1"/>
-          </a:lnRef>
-          <a:fillRef idx="0">
-            <a:schemeClr val="dk1"/>
-          </a:fillRef>
-          <a:effectRef idx="0">
-            <a:schemeClr val="dk1"/>
-          </a:effectRef>
-          <a:fontRef idx="minor">
-            <a:schemeClr val="tx1"/>
-          </a:fontRef>
-        </p:style>
-      </p:cxnSp>
-      <p:cxnSp>
-        <p:nvCxnSpPr>
           <p:cNvPr id="46" name="Straight Arrow Connector 45">
             <a:extLst>
               <a:ext uri="{FF2B5EF4-FFF2-40B4-BE49-F238E27FC236}">
@@ -5353,7 +5312,7 @@
         </p:nvCxnSpPr>
         <p:spPr>
           <a:xfrm flipV="1">
-            <a:off x="7964079" y="610797"/>
+            <a:off x="7964079" y="553047"/>
             <a:ext cx="0" cy="698883"/>
           </a:xfrm>
           <a:prstGeom prst="straightConnector1">
@@ -6660,6 +6619,53 @@
           </a:fontRef>
         </p:style>
       </p:cxnSp>
+      <p:cxnSp>
+        <p:nvCxnSpPr>
+          <p:cNvPr id="49" name="Straight Connector 48">
+            <a:extLst>
+              <a:ext uri="{FF2B5EF4-FFF2-40B4-BE49-F238E27FC236}">
+                <a16:creationId xmlns:a16="http://schemas.microsoft.com/office/drawing/2014/main" id="{4E929FD1-4E05-059F-3B50-92BE9CEA27CA}"/>
+              </a:ext>
+            </a:extLst>
+          </p:cNvPr>
+          <p:cNvCxnSpPr>
+            <a:cxnSpLocks/>
+            <a:stCxn id="78" idx="1"/>
+            <a:endCxn id="78" idx="3"/>
+          </p:cNvCxnSpPr>
+          <p:nvPr/>
+        </p:nvCxnSpPr>
+        <p:spPr>
+          <a:xfrm>
+            <a:off x="7375802" y="4290900"/>
+            <a:ext cx="1038497" cy="0"/>
+          </a:xfrm>
+          <a:prstGeom prst="line">
+            <a:avLst/>
+          </a:prstGeom>
+          <a:ln w="28575">
+            <a:solidFill>
+              <a:srgbClr val="FF0000"/>
+            </a:solidFill>
+            <a:headEnd type="oval" w="med" len="med"/>
+            <a:tailEnd type="oval" w="med" len="med"/>
+          </a:ln>
+        </p:spPr>
+        <p:style>
+          <a:lnRef idx="1">
+            <a:schemeClr val="accent1"/>
+          </a:lnRef>
+          <a:fillRef idx="0">
+            <a:schemeClr val="accent1"/>
+          </a:fillRef>
+          <a:effectRef idx="0">
+            <a:schemeClr val="accent1"/>
+          </a:effectRef>
+          <a:fontRef idx="minor">
+            <a:schemeClr val="tx1"/>
+          </a:fontRef>
+        </p:style>
+      </p:cxnSp>
       <p:sp>
         <p:nvSpPr>
           <p:cNvPr id="33" name="TextBox 32">
@@ -6861,6 +6867,53 @@
       </p:sp>
       <p:cxnSp>
         <p:nvCxnSpPr>
+          <p:cNvPr id="59" name="Straight Connector 58">
+            <a:extLst>
+              <a:ext uri="{FF2B5EF4-FFF2-40B4-BE49-F238E27FC236}">
+                <a16:creationId xmlns:a16="http://schemas.microsoft.com/office/drawing/2014/main" id="{15DE0C39-7826-2EB8-4CC2-8DB20F26E42C}"/>
+              </a:ext>
+            </a:extLst>
+          </p:cNvPr>
+          <p:cNvCxnSpPr>
+            <a:cxnSpLocks/>
+            <a:stCxn id="2" idx="1"/>
+            <a:endCxn id="6" idx="1"/>
+          </p:cNvCxnSpPr>
+          <p:nvPr/>
+        </p:nvCxnSpPr>
+        <p:spPr>
+          <a:xfrm flipV="1">
+            <a:off x="7403962" y="1234936"/>
+            <a:ext cx="1044827" cy="10591"/>
+          </a:xfrm>
+          <a:prstGeom prst="line">
+            <a:avLst/>
+          </a:prstGeom>
+          <a:ln w="28575">
+            <a:solidFill>
+              <a:srgbClr val="FF0000"/>
+            </a:solidFill>
+            <a:headEnd type="oval" w="med" len="med"/>
+            <a:tailEnd type="oval" w="med" len="med"/>
+          </a:ln>
+        </p:spPr>
+        <p:style>
+          <a:lnRef idx="1">
+            <a:schemeClr val="accent1"/>
+          </a:lnRef>
+          <a:fillRef idx="0">
+            <a:schemeClr val="accent1"/>
+          </a:fillRef>
+          <a:effectRef idx="0">
+            <a:schemeClr val="accent1"/>
+          </a:effectRef>
+          <a:fontRef idx="minor">
+            <a:schemeClr val="tx1"/>
+          </a:fontRef>
+        </p:style>
+      </p:cxnSp>
+      <p:cxnSp>
+        <p:nvCxnSpPr>
           <p:cNvPr id="38" name="Straight Arrow Connector 37">
             <a:extLst>
               <a:ext uri="{FF2B5EF4-FFF2-40B4-BE49-F238E27FC236}">
@@ -6939,6 +6992,373 @@
           </a:p>
         </p:txBody>
       </p:sp>
+      <p:cxnSp>
+        <p:nvCxnSpPr>
+          <p:cNvPr id="24" name="Straight Connector 23">
+            <a:extLst>
+              <a:ext uri="{FF2B5EF4-FFF2-40B4-BE49-F238E27FC236}">
+                <a16:creationId xmlns:a16="http://schemas.microsoft.com/office/drawing/2014/main" id="{201E8229-FEE0-0261-B857-ADF817062CF1}"/>
+              </a:ext>
+            </a:extLst>
+          </p:cNvPr>
+          <p:cNvCxnSpPr>
+            <a:cxnSpLocks/>
+            <a:stCxn id="7" idx="1"/>
+            <a:endCxn id="7" idx="3"/>
+          </p:cNvCxnSpPr>
+          <p:nvPr/>
+        </p:nvCxnSpPr>
+        <p:spPr>
+          <a:xfrm>
+            <a:off x="9189564" y="1237294"/>
+            <a:ext cx="751001" cy="0"/>
+          </a:xfrm>
+          <a:prstGeom prst="line">
+            <a:avLst/>
+          </a:prstGeom>
+          <a:ln w="28575">
+            <a:solidFill>
+              <a:srgbClr val="FF0000"/>
+            </a:solidFill>
+            <a:headEnd type="oval" w="med" len="med"/>
+            <a:tailEnd type="oval" w="med" len="med"/>
+          </a:ln>
+        </p:spPr>
+        <p:style>
+          <a:lnRef idx="1">
+            <a:schemeClr val="accent1"/>
+          </a:lnRef>
+          <a:fillRef idx="0">
+            <a:schemeClr val="accent1"/>
+          </a:fillRef>
+          <a:effectRef idx="0">
+            <a:schemeClr val="accent1"/>
+          </a:effectRef>
+          <a:fontRef idx="minor">
+            <a:schemeClr val="tx1"/>
+          </a:fontRef>
+        </p:style>
+      </p:cxnSp>
+      <p:cxnSp>
+        <p:nvCxnSpPr>
+          <p:cNvPr id="45" name="Straight Arrow Connector 44">
+            <a:extLst>
+              <a:ext uri="{FF2B5EF4-FFF2-40B4-BE49-F238E27FC236}">
+                <a16:creationId xmlns:a16="http://schemas.microsoft.com/office/drawing/2014/main" id="{AF3DD4EF-7645-59E7-3B05-84B759FD959C}"/>
+              </a:ext>
+            </a:extLst>
+          </p:cNvPr>
+          <p:cNvCxnSpPr>
+            <a:cxnSpLocks/>
+          </p:cNvCxnSpPr>
+          <p:nvPr/>
+        </p:nvCxnSpPr>
+        <p:spPr>
+          <a:xfrm>
+            <a:off x="7340339" y="1254322"/>
+            <a:ext cx="623740" cy="0"/>
+          </a:xfrm>
+          <a:prstGeom prst="straightConnector1">
+            <a:avLst/>
+          </a:prstGeom>
+          <a:ln w="38100">
+            <a:tailEnd type="triangle"/>
+          </a:ln>
+        </p:spPr>
+        <p:style>
+          <a:lnRef idx="1">
+            <a:schemeClr val="dk1"/>
+          </a:lnRef>
+          <a:fillRef idx="0">
+            <a:schemeClr val="dk1"/>
+          </a:fillRef>
+          <a:effectRef idx="0">
+            <a:schemeClr val="dk1"/>
+          </a:effectRef>
+          <a:fontRef idx="minor">
+            <a:schemeClr val="tx1"/>
+          </a:fontRef>
+        </p:style>
+      </p:cxnSp>
+      <p:cxnSp>
+        <p:nvCxnSpPr>
+          <p:cNvPr id="40" name="Straight Connector 39">
+            <a:extLst>
+              <a:ext uri="{FF2B5EF4-FFF2-40B4-BE49-F238E27FC236}">
+                <a16:creationId xmlns:a16="http://schemas.microsoft.com/office/drawing/2014/main" id="{7D931699-E15A-63F2-F0F2-D54F4FEFBA2B}"/>
+              </a:ext>
+            </a:extLst>
+          </p:cNvPr>
+          <p:cNvCxnSpPr>
+            <a:cxnSpLocks/>
+            <a:stCxn id="81" idx="1"/>
+            <a:endCxn id="81" idx="3"/>
+          </p:cNvCxnSpPr>
+          <p:nvPr/>
+        </p:nvCxnSpPr>
+        <p:spPr>
+          <a:xfrm>
+            <a:off x="9152778" y="4282667"/>
+            <a:ext cx="751001" cy="0"/>
+          </a:xfrm>
+          <a:prstGeom prst="line">
+            <a:avLst/>
+          </a:prstGeom>
+          <a:ln w="28575">
+            <a:solidFill>
+              <a:srgbClr val="FF0000"/>
+            </a:solidFill>
+            <a:headEnd type="oval" w="med" len="med"/>
+            <a:tailEnd type="oval" w="med" len="med"/>
+          </a:ln>
+        </p:spPr>
+        <p:style>
+          <a:lnRef idx="1">
+            <a:schemeClr val="accent1"/>
+          </a:lnRef>
+          <a:fillRef idx="0">
+            <a:schemeClr val="accent1"/>
+          </a:fillRef>
+          <a:effectRef idx="0">
+            <a:schemeClr val="accent1"/>
+          </a:effectRef>
+          <a:fontRef idx="minor">
+            <a:schemeClr val="tx1"/>
+          </a:fontRef>
+        </p:style>
+      </p:cxnSp>
+      <p:cxnSp>
+        <p:nvCxnSpPr>
+          <p:cNvPr id="44" name="Straight Connector 43">
+            <a:extLst>
+              <a:ext uri="{FF2B5EF4-FFF2-40B4-BE49-F238E27FC236}">
+                <a16:creationId xmlns:a16="http://schemas.microsoft.com/office/drawing/2014/main" id="{CD01D759-6D6F-E31A-E01B-531F08C3B419}"/>
+              </a:ext>
+            </a:extLst>
+          </p:cNvPr>
+          <p:cNvCxnSpPr>
+            <a:cxnSpLocks/>
+            <a:stCxn id="80" idx="1"/>
+            <a:endCxn id="80" idx="3"/>
+          </p:cNvCxnSpPr>
+          <p:nvPr/>
+        </p:nvCxnSpPr>
+        <p:spPr>
+          <a:xfrm>
+            <a:off x="8420629" y="4280309"/>
+            <a:ext cx="735245" cy="0"/>
+          </a:xfrm>
+          <a:prstGeom prst="line">
+            <a:avLst/>
+          </a:prstGeom>
+          <a:ln w="28575">
+            <a:solidFill>
+              <a:srgbClr val="FF0000"/>
+            </a:solidFill>
+            <a:headEnd type="oval" w="med" len="med"/>
+            <a:tailEnd type="oval" w="med" len="med"/>
+          </a:ln>
+        </p:spPr>
+        <p:style>
+          <a:lnRef idx="1">
+            <a:schemeClr val="accent1"/>
+          </a:lnRef>
+          <a:fillRef idx="0">
+            <a:schemeClr val="accent1"/>
+          </a:fillRef>
+          <a:effectRef idx="0">
+            <a:schemeClr val="accent1"/>
+          </a:effectRef>
+          <a:fontRef idx="minor">
+            <a:schemeClr val="tx1"/>
+          </a:fontRef>
+        </p:style>
+      </p:cxnSp>
+      <p:cxnSp>
+        <p:nvCxnSpPr>
+          <p:cNvPr id="52" name="Straight Connector 51">
+            <a:extLst>
+              <a:ext uri="{FF2B5EF4-FFF2-40B4-BE49-F238E27FC236}">
+                <a16:creationId xmlns:a16="http://schemas.microsoft.com/office/drawing/2014/main" id="{92A1A804-A440-E691-74A8-B9D10070E161}"/>
+              </a:ext>
+            </a:extLst>
+          </p:cNvPr>
+          <p:cNvCxnSpPr>
+            <a:cxnSpLocks/>
+            <a:endCxn id="76" idx="3"/>
+          </p:cNvCxnSpPr>
+          <p:nvPr/>
+        </p:nvCxnSpPr>
+        <p:spPr>
+          <a:xfrm>
+            <a:off x="5447899" y="4280309"/>
+            <a:ext cx="1934209" cy="0"/>
+          </a:xfrm>
+          <a:prstGeom prst="line">
+            <a:avLst/>
+          </a:prstGeom>
+          <a:ln w="28575">
+            <a:solidFill>
+              <a:srgbClr val="FF0000"/>
+            </a:solidFill>
+            <a:headEnd type="oval" w="med" len="med"/>
+            <a:tailEnd type="oval" w="med" len="med"/>
+          </a:ln>
+        </p:spPr>
+        <p:style>
+          <a:lnRef idx="1">
+            <a:schemeClr val="accent1"/>
+          </a:lnRef>
+          <a:fillRef idx="0">
+            <a:schemeClr val="accent1"/>
+          </a:fillRef>
+          <a:effectRef idx="0">
+            <a:schemeClr val="accent1"/>
+          </a:effectRef>
+          <a:fontRef idx="minor">
+            <a:schemeClr val="tx1"/>
+          </a:fontRef>
+        </p:style>
+      </p:cxnSp>
+      <p:cxnSp>
+        <p:nvCxnSpPr>
+          <p:cNvPr id="56" name="Straight Connector 55">
+            <a:extLst>
+              <a:ext uri="{FF2B5EF4-FFF2-40B4-BE49-F238E27FC236}">
+                <a16:creationId xmlns:a16="http://schemas.microsoft.com/office/drawing/2014/main" id="{4B257C5E-9C29-314C-8679-0CA16991B5A5}"/>
+              </a:ext>
+            </a:extLst>
+          </p:cNvPr>
+          <p:cNvCxnSpPr>
+            <a:cxnSpLocks/>
+            <a:stCxn id="2" idx="3"/>
+            <a:endCxn id="6" idx="3"/>
+          </p:cNvCxnSpPr>
+          <p:nvPr/>
+        </p:nvCxnSpPr>
+        <p:spPr>
+          <a:xfrm flipV="1">
+            <a:off x="8442459" y="1234936"/>
+            <a:ext cx="741575" cy="10591"/>
+          </a:xfrm>
+          <a:prstGeom prst="line">
+            <a:avLst/>
+          </a:prstGeom>
+          <a:ln w="28575">
+            <a:solidFill>
+              <a:srgbClr val="FF0000"/>
+            </a:solidFill>
+            <a:headEnd type="oval" w="med" len="med"/>
+            <a:tailEnd type="oval" w="med" len="med"/>
+          </a:ln>
+        </p:spPr>
+        <p:style>
+          <a:lnRef idx="1">
+            <a:schemeClr val="accent1"/>
+          </a:lnRef>
+          <a:fillRef idx="0">
+            <a:schemeClr val="accent1"/>
+          </a:fillRef>
+          <a:effectRef idx="0">
+            <a:schemeClr val="accent1"/>
+          </a:effectRef>
+          <a:fontRef idx="minor">
+            <a:schemeClr val="tx1"/>
+          </a:fontRef>
+        </p:style>
+      </p:cxnSp>
+      <p:cxnSp>
+        <p:nvCxnSpPr>
+          <p:cNvPr id="62" name="Straight Connector 61">
+            <a:extLst>
+              <a:ext uri="{FF2B5EF4-FFF2-40B4-BE49-F238E27FC236}">
+                <a16:creationId xmlns:a16="http://schemas.microsoft.com/office/drawing/2014/main" id="{318F71A5-3460-02AE-40AE-4F6F9F28188F}"/>
+              </a:ext>
+            </a:extLst>
+          </p:cNvPr>
+          <p:cNvCxnSpPr>
+            <a:cxnSpLocks/>
+            <a:endCxn id="2" idx="1"/>
+          </p:cNvCxnSpPr>
+          <p:nvPr/>
+        </p:nvCxnSpPr>
+        <p:spPr>
+          <a:xfrm>
+            <a:off x="5447899" y="1234249"/>
+            <a:ext cx="1956063" cy="0"/>
+          </a:xfrm>
+          <a:prstGeom prst="line">
+            <a:avLst/>
+          </a:prstGeom>
+          <a:ln w="28575">
+            <a:solidFill>
+              <a:srgbClr val="FF0000"/>
+            </a:solidFill>
+            <a:headEnd type="oval" w="med" len="med"/>
+            <a:tailEnd type="oval" w="med" len="med"/>
+          </a:ln>
+        </p:spPr>
+        <p:style>
+          <a:lnRef idx="1">
+            <a:schemeClr val="accent1"/>
+          </a:lnRef>
+          <a:fillRef idx="0">
+            <a:schemeClr val="accent1"/>
+          </a:fillRef>
+          <a:effectRef idx="0">
+            <a:schemeClr val="accent1"/>
+          </a:effectRef>
+          <a:fontRef idx="minor">
+            <a:schemeClr val="tx1"/>
+          </a:fontRef>
+        </p:style>
+      </p:cxnSp>
+      <p:cxnSp>
+        <p:nvCxnSpPr>
+          <p:cNvPr id="65" name="Straight Connector 64">
+            <a:extLst>
+              <a:ext uri="{FF2B5EF4-FFF2-40B4-BE49-F238E27FC236}">
+                <a16:creationId xmlns:a16="http://schemas.microsoft.com/office/drawing/2014/main" id="{E2F9471C-88EB-B434-7FC6-DC7458D2898B}"/>
+              </a:ext>
+            </a:extLst>
+          </p:cNvPr>
+          <p:cNvCxnSpPr>
+            <a:cxnSpLocks/>
+            <a:endCxn id="81" idx="3"/>
+          </p:cNvCxnSpPr>
+          <p:nvPr/>
+        </p:nvCxnSpPr>
+        <p:spPr>
+          <a:xfrm flipV="1">
+            <a:off x="9903779" y="4282667"/>
+            <a:ext cx="0" cy="132515"/>
+          </a:xfrm>
+          <a:prstGeom prst="line">
+            <a:avLst/>
+          </a:prstGeom>
+          <a:ln w="28575">
+            <a:solidFill>
+              <a:srgbClr val="FF0000"/>
+            </a:solidFill>
+            <a:headEnd type="oval" w="med" len="med"/>
+            <a:tailEnd type="oval" w="med" len="med"/>
+          </a:ln>
+        </p:spPr>
+        <p:style>
+          <a:lnRef idx="1">
+            <a:schemeClr val="accent1"/>
+          </a:lnRef>
+          <a:fillRef idx="0">
+            <a:schemeClr val="accent1"/>
+          </a:fillRef>
+          <a:effectRef idx="0">
+            <a:schemeClr val="accent1"/>
+          </a:effectRef>
+          <a:fontRef idx="minor">
+            <a:schemeClr val="tx1"/>
+          </a:fontRef>
+        </p:style>
+      </p:cxnSp>
     </p:spTree>
     <p:extLst>
       <p:ext uri="{BB962C8B-B14F-4D97-AF65-F5344CB8AC3E}">

--- a/Figures/SpindleFBDfigure_1.pptx
+++ b/Figures/SpindleFBDfigure_1.pptx
@@ -300,7 +300,7 @@
           <a:p>
             <a:fld id="{6AFFC431-35AA-48DF-B824-772EF10EA9D4}" type="datetimeFigureOut">
               <a:rPr lang="en-US" smtClean="0"/>
-              <a:t>3/13/2023</a:t>
+              <a:t>3/19/2023</a:t>
             </a:fld>
             <a:endParaRPr lang="en-US"/>
           </a:p>
@@ -498,7 +498,7 @@
           <a:p>
             <a:fld id="{6AFFC431-35AA-48DF-B824-772EF10EA9D4}" type="datetimeFigureOut">
               <a:rPr lang="en-US" smtClean="0"/>
-              <a:t>3/13/2023</a:t>
+              <a:t>3/19/2023</a:t>
             </a:fld>
             <a:endParaRPr lang="en-US"/>
           </a:p>
@@ -706,7 +706,7 @@
           <a:p>
             <a:fld id="{6AFFC431-35AA-48DF-B824-772EF10EA9D4}" type="datetimeFigureOut">
               <a:rPr lang="en-US" smtClean="0"/>
-              <a:t>3/13/2023</a:t>
+              <a:t>3/19/2023</a:t>
             </a:fld>
             <a:endParaRPr lang="en-US"/>
           </a:p>
@@ -904,7 +904,7 @@
           <a:p>
             <a:fld id="{6AFFC431-35AA-48DF-B824-772EF10EA9D4}" type="datetimeFigureOut">
               <a:rPr lang="en-US" smtClean="0"/>
-              <a:t>3/13/2023</a:t>
+              <a:t>3/19/2023</a:t>
             </a:fld>
             <a:endParaRPr lang="en-US"/>
           </a:p>
@@ -1179,7 +1179,7 @@
           <a:p>
             <a:fld id="{6AFFC431-35AA-48DF-B824-772EF10EA9D4}" type="datetimeFigureOut">
               <a:rPr lang="en-US" smtClean="0"/>
-              <a:t>3/13/2023</a:t>
+              <a:t>3/19/2023</a:t>
             </a:fld>
             <a:endParaRPr lang="en-US"/>
           </a:p>
@@ -1444,7 +1444,7 @@
           <a:p>
             <a:fld id="{6AFFC431-35AA-48DF-B824-772EF10EA9D4}" type="datetimeFigureOut">
               <a:rPr lang="en-US" smtClean="0"/>
-              <a:t>3/13/2023</a:t>
+              <a:t>3/19/2023</a:t>
             </a:fld>
             <a:endParaRPr lang="en-US"/>
           </a:p>
@@ -1856,7 +1856,7 @@
           <a:p>
             <a:fld id="{6AFFC431-35AA-48DF-B824-772EF10EA9D4}" type="datetimeFigureOut">
               <a:rPr lang="en-US" smtClean="0"/>
-              <a:t>3/13/2023</a:t>
+              <a:t>3/19/2023</a:t>
             </a:fld>
             <a:endParaRPr lang="en-US"/>
           </a:p>
@@ -1997,7 +1997,7 @@
           <a:p>
             <a:fld id="{6AFFC431-35AA-48DF-B824-772EF10EA9D4}" type="datetimeFigureOut">
               <a:rPr lang="en-US" smtClean="0"/>
-              <a:t>3/13/2023</a:t>
+              <a:t>3/19/2023</a:t>
             </a:fld>
             <a:endParaRPr lang="en-US"/>
           </a:p>
@@ -2110,7 +2110,7 @@
           <a:p>
             <a:fld id="{6AFFC431-35AA-48DF-B824-772EF10EA9D4}" type="datetimeFigureOut">
               <a:rPr lang="en-US" smtClean="0"/>
-              <a:t>3/13/2023</a:t>
+              <a:t>3/19/2023</a:t>
             </a:fld>
             <a:endParaRPr lang="en-US"/>
           </a:p>
@@ -2421,7 +2421,7 @@
           <a:p>
             <a:fld id="{6AFFC431-35AA-48DF-B824-772EF10EA9D4}" type="datetimeFigureOut">
               <a:rPr lang="en-US" smtClean="0"/>
-              <a:t>3/13/2023</a:t>
+              <a:t>3/19/2023</a:t>
             </a:fld>
             <a:endParaRPr lang="en-US"/>
           </a:p>
@@ -2709,7 +2709,7 @@
           <a:p>
             <a:fld id="{6AFFC431-35AA-48DF-B824-772EF10EA9D4}" type="datetimeFigureOut">
               <a:rPr lang="en-US" smtClean="0"/>
-              <a:t>3/13/2023</a:t>
+              <a:t>3/19/2023</a:t>
             </a:fld>
             <a:endParaRPr lang="en-US"/>
           </a:p>
@@ -2950,7 +2950,7 @@
           <a:p>
             <a:fld id="{6AFFC431-35AA-48DF-B824-772EF10EA9D4}" type="datetimeFigureOut">
               <a:rPr lang="en-US" smtClean="0"/>
-              <a:t>3/13/2023</a:t>
+              <a:t>3/19/2023</a:t>
             </a:fld>
             <a:endParaRPr lang="en-US"/>
           </a:p>
@@ -5507,7 +5507,7 @@
         </p:nvSpPr>
         <p:spPr>
           <a:xfrm>
-            <a:off x="7335735" y="854219"/>
+            <a:off x="7335735" y="825344"/>
             <a:ext cx="953037" cy="400110"/>
           </a:xfrm>
           <a:prstGeom prst="rect">
@@ -6762,7 +6762,7 @@
         </p:nvCxnSpPr>
         <p:spPr>
           <a:xfrm>
-            <a:off x="7323287" y="4285853"/>
+            <a:off x="7323287" y="4295478"/>
             <a:ext cx="623740" cy="0"/>
           </a:xfrm>
           <a:prstGeom prst="straightConnector1">
@@ -6840,7 +6840,7 @@
         </p:nvSpPr>
         <p:spPr>
           <a:xfrm>
-            <a:off x="7318683" y="3847249"/>
+            <a:off x="7318683" y="3876124"/>
             <a:ext cx="953037" cy="400110"/>
           </a:xfrm>
           <a:prstGeom prst="rect">
@@ -7055,7 +7055,7 @@
         </p:nvCxnSpPr>
         <p:spPr>
           <a:xfrm>
-            <a:off x="7340339" y="1254322"/>
+            <a:off x="7340339" y="1244697"/>
             <a:ext cx="623740" cy="0"/>
           </a:xfrm>
           <a:prstGeom prst="straightConnector1">
